--- a/Practicum 3.pptx
+++ b/Practicum 3.pptx
@@ -12,27 +12,28 @@
     <p:sldId id="321" r:id="rId6"/>
     <p:sldId id="264" r:id="rId7"/>
     <p:sldId id="265" r:id="rId8"/>
-    <p:sldId id="266" r:id="rId9"/>
-    <p:sldId id="268" r:id="rId10"/>
-    <p:sldId id="284" r:id="rId11"/>
+    <p:sldId id="268" r:id="rId9"/>
+    <p:sldId id="284" r:id="rId10"/>
+    <p:sldId id="354" r:id="rId11"/>
     <p:sldId id="286" r:id="rId12"/>
     <p:sldId id="311" r:id="rId13"/>
     <p:sldId id="287" r:id="rId14"/>
     <p:sldId id="336" r:id="rId15"/>
     <p:sldId id="345" r:id="rId16"/>
     <p:sldId id="344" r:id="rId17"/>
-    <p:sldId id="343" r:id="rId18"/>
-    <p:sldId id="342" r:id="rId19"/>
-    <p:sldId id="346" r:id="rId20"/>
-    <p:sldId id="347" r:id="rId21"/>
-    <p:sldId id="339" r:id="rId22"/>
-    <p:sldId id="348" r:id="rId23"/>
-    <p:sldId id="350" r:id="rId24"/>
-    <p:sldId id="352" r:id="rId25"/>
-    <p:sldId id="297" r:id="rId26"/>
-    <p:sldId id="298" r:id="rId27"/>
-    <p:sldId id="299" r:id="rId28"/>
-    <p:sldId id="315" r:id="rId29"/>
+    <p:sldId id="353" r:id="rId18"/>
+    <p:sldId id="343" r:id="rId19"/>
+    <p:sldId id="342" r:id="rId20"/>
+    <p:sldId id="346" r:id="rId21"/>
+    <p:sldId id="347" r:id="rId22"/>
+    <p:sldId id="339" r:id="rId23"/>
+    <p:sldId id="348" r:id="rId24"/>
+    <p:sldId id="350" r:id="rId25"/>
+    <p:sldId id="352" r:id="rId26"/>
+    <p:sldId id="297" r:id="rId27"/>
+    <p:sldId id="298" r:id="rId28"/>
+    <p:sldId id="299" r:id="rId29"/>
+    <p:sldId id="315" r:id="rId30"/>
   </p:sldIdLst>
   <p:sldSz cx="9144000" cy="6858000" type="screen4x3"/>
   <p:notesSz cx="6858000" cy="9144000"/>
@@ -316,7 +317,7 @@
           <a:p>
             <a:fld id="{26247A9B-ADF8-4C4D-B31C-4ABD019F9CBD}" type="datetimeFigureOut">
               <a:rPr lang="en-IN" smtClean="0"/>
-              <a:t>07-02-2019</a:t>
+              <a:t>08-02-2019</a:t>
             </a:fld>
             <a:endParaRPr lang="en-IN"/>
           </a:p>
@@ -480,7 +481,7 @@
           <a:p>
             <a:fld id="{26247A9B-ADF8-4C4D-B31C-4ABD019F9CBD}" type="datetimeFigureOut">
               <a:rPr lang="en-IN" smtClean="0"/>
-              <a:t>07-02-2019</a:t>
+              <a:t>08-02-2019</a:t>
             </a:fld>
             <a:endParaRPr lang="en-IN"/>
           </a:p>
@@ -654,7 +655,7 @@
           <a:p>
             <a:fld id="{26247A9B-ADF8-4C4D-B31C-4ABD019F9CBD}" type="datetimeFigureOut">
               <a:rPr lang="en-IN" smtClean="0"/>
-              <a:t>07-02-2019</a:t>
+              <a:t>08-02-2019</a:t>
             </a:fld>
             <a:endParaRPr lang="en-IN"/>
           </a:p>
@@ -818,7 +819,7 @@
           <a:p>
             <a:fld id="{26247A9B-ADF8-4C4D-B31C-4ABD019F9CBD}" type="datetimeFigureOut">
               <a:rPr lang="en-IN" smtClean="0"/>
-              <a:t>07-02-2019</a:t>
+              <a:t>08-02-2019</a:t>
             </a:fld>
             <a:endParaRPr lang="en-IN"/>
           </a:p>
@@ -1054,7 +1055,7 @@
           <a:p>
             <a:fld id="{26247A9B-ADF8-4C4D-B31C-4ABD019F9CBD}" type="datetimeFigureOut">
               <a:rPr lang="en-IN" smtClean="0"/>
-              <a:t>07-02-2019</a:t>
+              <a:t>08-02-2019</a:t>
             </a:fld>
             <a:endParaRPr lang="en-IN"/>
           </a:p>
@@ -1317,7 +1318,7 @@
           <a:p>
             <a:fld id="{26247A9B-ADF8-4C4D-B31C-4ABD019F9CBD}" type="datetimeFigureOut">
               <a:rPr lang="en-IN" smtClean="0"/>
-              <a:t>07-02-2019</a:t>
+              <a:t>08-02-2019</a:t>
             </a:fld>
             <a:endParaRPr lang="en-IN"/>
           </a:p>
@@ -1694,7 +1695,7 @@
           <a:p>
             <a:fld id="{26247A9B-ADF8-4C4D-B31C-4ABD019F9CBD}" type="datetimeFigureOut">
               <a:rPr lang="en-IN" smtClean="0"/>
-              <a:t>07-02-2019</a:t>
+              <a:t>08-02-2019</a:t>
             </a:fld>
             <a:endParaRPr lang="en-IN"/>
           </a:p>
@@ -1843,7 +1844,7 @@
           <a:p>
             <a:fld id="{26247A9B-ADF8-4C4D-B31C-4ABD019F9CBD}" type="datetimeFigureOut">
               <a:rPr lang="en-IN" smtClean="0"/>
-              <a:t>07-02-2019</a:t>
+              <a:t>08-02-2019</a:t>
             </a:fld>
             <a:endParaRPr lang="en-IN"/>
           </a:p>
@@ -1933,7 +1934,7 @@
           <a:p>
             <a:fld id="{26247A9B-ADF8-4C4D-B31C-4ABD019F9CBD}" type="datetimeFigureOut">
               <a:rPr lang="en-IN" smtClean="0"/>
-              <a:t>07-02-2019</a:t>
+              <a:t>08-02-2019</a:t>
             </a:fld>
             <a:endParaRPr lang="en-IN"/>
           </a:p>
@@ -2193,7 +2194,7 @@
           <a:p>
             <a:fld id="{26247A9B-ADF8-4C4D-B31C-4ABD019F9CBD}" type="datetimeFigureOut">
               <a:rPr lang="en-IN" smtClean="0"/>
-              <a:t>07-02-2019</a:t>
+              <a:t>08-02-2019</a:t>
             </a:fld>
             <a:endParaRPr lang="en-IN"/>
           </a:p>
@@ -2480,7 +2481,7 @@
           <a:p>
             <a:fld id="{26247A9B-ADF8-4C4D-B31C-4ABD019F9CBD}" type="datetimeFigureOut">
               <a:rPr lang="en-IN" smtClean="0"/>
-              <a:t>07-02-2019</a:t>
+              <a:t>08-02-2019</a:t>
             </a:fld>
             <a:endParaRPr lang="en-IN"/>
           </a:p>
@@ -3249,7 +3250,7 @@
           <a:p>
             <a:fld id="{26247A9B-ADF8-4C4D-B31C-4ABD019F9CBD}" type="datetimeFigureOut">
               <a:rPr lang="en-IN" smtClean="0"/>
-              <a:t>07-02-2019</a:t>
+              <a:t>08-02-2019</a:t>
             </a:fld>
             <a:endParaRPr lang="en-IN"/>
           </a:p>
@@ -4182,13 +4183,7 @@
       </p:grpSpPr>
       <p:sp>
         <p:nvSpPr>
-          <p:cNvPr id="2" name="Title 1">
-            <a:extLst>
-              <a:ext uri="{FF2B5EF4-FFF2-40B4-BE49-F238E27FC236}">
-                <a16:creationId xmlns:a16="http://schemas.microsoft.com/office/drawing/2014/main" id="{6B41478B-451A-443F-8276-B2150DA1D028}"/>
-              </a:ext>
-            </a:extLst>
-          </p:cNvPr>
+          <p:cNvPr id="2" name="Title 1"/>
           <p:cNvSpPr>
             <a:spLocks noGrp="1"/>
           </p:cNvSpPr>
@@ -4198,32 +4193,25 @@
         </p:nvSpPr>
         <p:spPr>
           <a:xfrm>
-            <a:off x="539552" y="741984"/>
-            <a:ext cx="8229600" cy="650336"/>
+            <a:off x="457200" y="548680"/>
+            <a:ext cx="8229600" cy="1143000"/>
           </a:xfrm>
         </p:spPr>
         <p:txBody>
-          <a:bodyPr>
-            <a:normAutofit fontScale="90000"/>
-          </a:bodyPr>
+          <a:bodyPr/>
           <a:lstStyle/>
           <a:p>
             <a:r>
-              <a:rPr lang="en-IN" dirty="0"/>
-              <a:t>Models</a:t>
-            </a:r>
+              <a:rPr lang="en-US" dirty="0" smtClean="0"/>
+              <a:t>Message</a:t>
+            </a:r>
+            <a:endParaRPr lang="en-US" dirty="0"/>
           </a:p>
         </p:txBody>
       </p:sp>
       <p:sp>
         <p:nvSpPr>
-          <p:cNvPr id="3" name="Content Placeholder 2">
-            <a:extLst>
-              <a:ext uri="{FF2B5EF4-FFF2-40B4-BE49-F238E27FC236}">
-                <a16:creationId xmlns:a16="http://schemas.microsoft.com/office/drawing/2014/main" id="{3E6FA87D-5EAD-4209-BC72-9D0FD0B626F8}"/>
-              </a:ext>
-            </a:extLst>
-          </p:cNvPr>
+          <p:cNvPr id="3" name="Content Placeholder 2"/>
           <p:cNvSpPr>
             <a:spLocks noGrp="1"/>
           </p:cNvSpPr>
@@ -4231,167 +4219,23 @@
             <p:ph idx="1"/>
           </p:nvPr>
         </p:nvSpPr>
-        <p:spPr>
-          <a:xfrm>
-            <a:off x="424846" y="1546880"/>
-            <a:ext cx="8229600" cy="4389120"/>
-          </a:xfrm>
-        </p:spPr>
+        <p:spPr/>
         <p:txBody>
           <a:bodyPr/>
           <a:lstStyle/>
           <a:p>
             <a:r>
-              <a:rPr lang="en-IN" sz="2000" dirty="0"/>
-              <a:t> </a:t>
-            </a:r>
-            <a:r>
-              <a:rPr lang="en-IN" sz="2000" dirty="0" smtClean="0"/>
-              <a:t>ANN- Artificial Neural Network using </a:t>
-            </a:r>
-            <a:r>
-              <a:rPr lang="en-IN" sz="2000" dirty="0" err="1" smtClean="0"/>
-              <a:t>Keras</a:t>
-            </a:r>
-            <a:r>
-              <a:rPr lang="en-IN" sz="2000" dirty="0" smtClean="0"/>
-              <a:t>.</a:t>
-            </a:r>
-            <a:endParaRPr lang="en-IN" sz="2000" dirty="0"/>
-          </a:p>
-          <a:p>
-            <a:r>
-              <a:rPr lang="en-IN" sz="2000" dirty="0"/>
-              <a:t>GBM – Gradient Boosting </a:t>
-            </a:r>
-            <a:r>
-              <a:rPr lang="en-IN" sz="2000" dirty="0" smtClean="0"/>
-              <a:t>Classifier </a:t>
-            </a:r>
-            <a:r>
-              <a:rPr lang="en-IN" sz="2000" dirty="0"/>
-              <a:t>model</a:t>
-            </a:r>
-          </a:p>
-          <a:p>
-            <a:r>
-              <a:rPr lang="en-IN" sz="2000" dirty="0"/>
-              <a:t>KNN </a:t>
-            </a:r>
-            <a:r>
-              <a:rPr lang="en-IN" sz="2000" dirty="0" smtClean="0"/>
-              <a:t>Classifier model</a:t>
-            </a:r>
-          </a:p>
-          <a:p>
-            <a:r>
-              <a:rPr lang="en-IN" sz="2000" dirty="0"/>
-              <a:t> </a:t>
-            </a:r>
-            <a:r>
-              <a:rPr lang="en-IN" sz="2000" dirty="0" smtClean="0"/>
-              <a:t>Bagging Classifier</a:t>
-            </a:r>
-          </a:p>
-          <a:p>
-            <a:r>
-              <a:rPr lang="en-IN" sz="2000" dirty="0"/>
-              <a:t> </a:t>
-            </a:r>
-            <a:r>
-              <a:rPr lang="en-IN" sz="2000" dirty="0" smtClean="0"/>
-              <a:t>SVM classifier</a:t>
-            </a:r>
-          </a:p>
-          <a:p>
-            <a:r>
-              <a:rPr lang="en-IN" sz="2000" dirty="0"/>
-              <a:t> </a:t>
-            </a:r>
-            <a:r>
-              <a:rPr lang="en-IN" sz="2000" dirty="0" smtClean="0"/>
-              <a:t>Decision trees</a:t>
-            </a:r>
-            <a:endParaRPr lang="en-IN" sz="2000" dirty="0"/>
-          </a:p>
-          <a:p>
-            <a:r>
-              <a:rPr lang="en-IN" sz="2000" dirty="0"/>
-              <a:t>Random Forest model</a:t>
-            </a:r>
-          </a:p>
-          <a:p>
-            <a:r>
-              <a:rPr lang="en-IN" sz="2000" dirty="0"/>
-              <a:t>Hyperparameter tuning using Grid Search CV method</a:t>
-            </a:r>
-          </a:p>
-          <a:p>
-            <a:r>
-              <a:rPr lang="en-IN" sz="2000" dirty="0" smtClean="0"/>
-              <a:t>K </a:t>
-            </a:r>
-            <a:r>
-              <a:rPr lang="en-IN" sz="2000" dirty="0"/>
-              <a:t>fold Cross validation model.</a:t>
-            </a:r>
-          </a:p>
-          <a:p>
-            <a:endParaRPr lang="en-IN" dirty="0"/>
+              <a:rPr lang="en-US" dirty="0" smtClean="0"/>
+              <a:t> Bankruptcy Rate prediction is done for first year and third year data. The data points are assumed to be original and missing data as MSNR.   </a:t>
+            </a:r>
+            <a:endParaRPr lang="en-US" dirty="0"/>
           </a:p>
         </p:txBody>
       </p:sp>
-      <p:pic>
-        <p:nvPicPr>
-          <p:cNvPr id="4" name="Picture 3" descr="Image result for isb business analytics">
-            <a:extLst>
-              <a:ext uri="{FF2B5EF4-FFF2-40B4-BE49-F238E27FC236}">
-                <a16:creationId xmlns:a16="http://schemas.microsoft.com/office/drawing/2014/main" id="{A60F9A51-1288-4852-8399-09FB5472125C}"/>
-              </a:ext>
-            </a:extLst>
-          </p:cNvPr>
-          <p:cNvPicPr>
-            <a:picLocks noChangeAspect="1" noChangeArrowheads="1"/>
-          </p:cNvPicPr>
-          <p:nvPr/>
-        </p:nvPicPr>
-        <p:blipFill>
-          <a:blip r:embed="rId2" cstate="print">
-            <a:extLst>
-              <a:ext uri="{28A0092B-C50C-407E-A947-70E740481C1C}">
-                <a14:useLocalDpi xmlns:a14="http://schemas.microsoft.com/office/drawing/2010/main" val="0"/>
-              </a:ext>
-            </a:extLst>
-          </a:blip>
-          <a:srcRect/>
-          <a:stretch>
-            <a:fillRect/>
-          </a:stretch>
-        </p:blipFill>
-        <p:spPr bwMode="auto">
-          <a:xfrm>
-            <a:off x="7812360" y="1"/>
-            <a:ext cx="1331640" cy="548680"/>
-          </a:xfrm>
-          <a:prstGeom prst="rect">
-            <a:avLst/>
-          </a:prstGeom>
-          <a:noFill/>
-          <a:extLst>
-            <a:ext uri="{909E8E84-426E-40DD-AFC4-6F175D3DCCD1}">
-              <a14:hiddenFill xmlns:a14="http://schemas.microsoft.com/office/drawing/2010/main">
-                <a:solidFill>
-                  <a:srgbClr val="FFFFFF"/>
-                </a:solidFill>
-              </a14:hiddenFill>
-            </a:ext>
-          </a:extLst>
-        </p:spPr>
-      </p:pic>
     </p:spTree>
     <p:extLst>
       <p:ext uri="{BB962C8B-B14F-4D97-AF65-F5344CB8AC3E}">
-        <p14:creationId xmlns:p14="http://schemas.microsoft.com/office/powerpoint/2010/main" val="4019962876"/>
+        <p14:creationId xmlns:p14="http://schemas.microsoft.com/office/powerpoint/2010/main" val="2689650712"/>
       </p:ext>
     </p:extLst>
   </p:cSld>
@@ -5396,6 +5240,308 @@
       </p:grpSpPr>
       <p:sp>
         <p:nvSpPr>
+          <p:cNvPr id="2" name="Title 1"/>
+          <p:cNvSpPr>
+            <a:spLocks noGrp="1"/>
+          </p:cNvSpPr>
+          <p:nvPr>
+            <p:ph type="title"/>
+          </p:nvPr>
+        </p:nvSpPr>
+        <p:spPr>
+          <a:xfrm>
+            <a:off x="323528" y="235717"/>
+            <a:ext cx="8229600" cy="1143000"/>
+          </a:xfrm>
+        </p:spPr>
+        <p:txBody>
+          <a:bodyPr/>
+          <a:lstStyle/>
+          <a:p>
+            <a:r>
+              <a:rPr lang="en-US" dirty="0" smtClean="0"/>
+              <a:t>MLP using </a:t>
+            </a:r>
+            <a:r>
+              <a:rPr lang="en-US" dirty="0" err="1" smtClean="0"/>
+              <a:t>Keras</a:t>
+            </a:r>
+            <a:r>
+              <a:rPr lang="en-US" dirty="0" smtClean="0"/>
+              <a:t> </a:t>
+            </a:r>
+            <a:endParaRPr lang="en-US" dirty="0"/>
+          </a:p>
+        </p:txBody>
+      </p:sp>
+      <p:sp>
+        <p:nvSpPr>
+          <p:cNvPr id="3" name="Content Placeholder 2"/>
+          <p:cNvSpPr>
+            <a:spLocks noGrp="1"/>
+          </p:cNvSpPr>
+          <p:nvPr>
+            <p:ph idx="1"/>
+          </p:nvPr>
+        </p:nvSpPr>
+        <p:spPr>
+          <a:xfrm>
+            <a:off x="6516216" y="980728"/>
+            <a:ext cx="2627784" cy="5343872"/>
+          </a:xfrm>
+        </p:spPr>
+        <p:txBody>
+          <a:bodyPr/>
+          <a:lstStyle/>
+          <a:p>
+            <a:pPr marL="0" indent="0">
+              <a:buNone/>
+            </a:pPr>
+            <a:r>
+              <a:rPr lang="en-US" sz="1800" dirty="0" smtClean="0">
+                <a:latin typeface="+mj-lt"/>
+              </a:rPr>
+              <a:t>Hidden Layers – 3</a:t>
+            </a:r>
+          </a:p>
+          <a:p>
+            <a:pPr marL="0" indent="0">
+              <a:buNone/>
+            </a:pPr>
+            <a:r>
+              <a:rPr lang="en-US" sz="1800" dirty="0">
+                <a:latin typeface="+mj-lt"/>
+              </a:rPr>
+              <a:t> </a:t>
+            </a:r>
+            <a:r>
+              <a:rPr lang="en-US" sz="1800" dirty="0" smtClean="0">
+                <a:latin typeface="+mj-lt"/>
+              </a:rPr>
+              <a:t>    Epochs – 50</a:t>
+            </a:r>
+          </a:p>
+          <a:p>
+            <a:pPr marL="0" indent="0">
+              <a:buNone/>
+            </a:pPr>
+            <a:r>
+              <a:rPr lang="en-US" sz="1800" dirty="0">
+                <a:latin typeface="+mj-lt"/>
+              </a:rPr>
+              <a:t> </a:t>
+            </a:r>
+            <a:r>
+              <a:rPr lang="en-US" sz="1800" dirty="0" smtClean="0">
+                <a:latin typeface="+mj-lt"/>
+              </a:rPr>
+              <a:t>     Batch Size – 10</a:t>
+            </a:r>
+          </a:p>
+          <a:p>
+            <a:pPr marL="0" indent="0">
+              <a:buNone/>
+            </a:pPr>
+            <a:r>
+              <a:rPr lang="en-US" sz="1800" dirty="0">
+                <a:latin typeface="+mj-lt"/>
+              </a:rPr>
+              <a:t> </a:t>
+            </a:r>
+            <a:r>
+              <a:rPr lang="en-US" sz="1800" dirty="0" smtClean="0">
+                <a:latin typeface="+mj-lt"/>
+              </a:rPr>
+              <a:t>    Optimizer – Adam</a:t>
+            </a:r>
+          </a:p>
+          <a:p>
+            <a:pPr marL="0" indent="0">
+              <a:buNone/>
+            </a:pPr>
+            <a:r>
+              <a:rPr lang="en-US" sz="1800" dirty="0">
+                <a:latin typeface="+mj-lt"/>
+              </a:rPr>
+              <a:t> </a:t>
+            </a:r>
+            <a:r>
+              <a:rPr lang="en-US" sz="1800" dirty="0" smtClean="0">
+                <a:latin typeface="+mj-lt"/>
+              </a:rPr>
+              <a:t>   Activation Function –       el     </a:t>
+            </a:r>
+            <a:r>
+              <a:rPr lang="en-US" sz="1800" dirty="0" err="1" smtClean="0">
+                <a:latin typeface="+mj-lt"/>
+              </a:rPr>
+              <a:t>Relu</a:t>
+            </a:r>
+            <a:r>
+              <a:rPr lang="en-US" sz="1800" dirty="0" smtClean="0">
+                <a:latin typeface="+mj-lt"/>
+              </a:rPr>
+              <a:t> and Sigmoid</a:t>
+            </a:r>
+          </a:p>
+          <a:p>
+            <a:r>
+              <a:rPr lang="en-US" sz="1800" dirty="0" smtClean="0">
+                <a:latin typeface="+mj-lt"/>
+              </a:rPr>
+              <a:t>Loss – Binary </a:t>
+            </a:r>
+            <a:r>
+              <a:rPr lang="en-US" sz="1800" dirty="0" err="1" smtClean="0">
+                <a:latin typeface="+mj-lt"/>
+              </a:rPr>
+              <a:t>Crossentropy</a:t>
+            </a:r>
+            <a:endParaRPr lang="en-US" sz="1800" dirty="0" smtClean="0">
+              <a:latin typeface="+mj-lt"/>
+            </a:endParaRPr>
+          </a:p>
+          <a:p>
+            <a:r>
+              <a:rPr lang="en-US" sz="1800" dirty="0">
+                <a:latin typeface="+mj-lt"/>
+              </a:rPr>
+              <a:t> </a:t>
+            </a:r>
+            <a:r>
+              <a:rPr lang="en-US" sz="1800" dirty="0" smtClean="0">
+                <a:latin typeface="+mj-lt"/>
+              </a:rPr>
+              <a:t>Validation split – 0.25</a:t>
+            </a:r>
+          </a:p>
+          <a:p>
+            <a:r>
+              <a:rPr lang="en-US" sz="1800" dirty="0" smtClean="0">
+                <a:latin typeface="+mj-lt"/>
+              </a:rPr>
+              <a:t>True Positive  – 2206 </a:t>
+            </a:r>
+          </a:p>
+          <a:p>
+            <a:r>
+              <a:rPr lang="en-US" sz="1800" dirty="0" smtClean="0">
+                <a:latin typeface="+mj-lt"/>
+              </a:rPr>
+              <a:t>True Negative -  2661</a:t>
+            </a:r>
+          </a:p>
+          <a:p>
+            <a:r>
+              <a:rPr lang="en-US" sz="1800" dirty="0" smtClean="0">
+                <a:latin typeface="+mj-lt"/>
+              </a:rPr>
+              <a:t>False Positive  - 660</a:t>
+            </a:r>
+          </a:p>
+          <a:p>
+            <a:r>
+              <a:rPr lang="en-US" sz="1800" dirty="0" smtClean="0">
+                <a:latin typeface="+mj-lt"/>
+              </a:rPr>
+              <a:t>False Negative - 102</a:t>
+            </a:r>
+          </a:p>
+          <a:p>
+            <a:r>
+              <a:rPr lang="en-US" sz="1800" dirty="0" smtClean="0">
+                <a:latin typeface="+mj-lt"/>
+              </a:rPr>
+              <a:t>Accuracy – 0.86</a:t>
+            </a:r>
+          </a:p>
+          <a:p>
+            <a:endParaRPr lang="en-US" sz="1800" dirty="0" smtClean="0">
+              <a:latin typeface="+mj-lt"/>
+            </a:endParaRPr>
+          </a:p>
+        </p:txBody>
+      </p:sp>
+      <p:pic>
+        <p:nvPicPr>
+          <p:cNvPr id="4" name="Picture 3"/>
+          <p:cNvPicPr>
+            <a:picLocks noChangeAspect="1"/>
+          </p:cNvPicPr>
+          <p:nvPr/>
+        </p:nvPicPr>
+        <p:blipFill>
+          <a:blip r:embed="rId2"/>
+          <a:stretch>
+            <a:fillRect/>
+          </a:stretch>
+        </p:blipFill>
+        <p:spPr>
+          <a:xfrm>
+            <a:off x="179512" y="1450674"/>
+            <a:ext cx="6624735" cy="2657475"/>
+          </a:xfrm>
+          <a:prstGeom prst="rect">
+            <a:avLst/>
+          </a:prstGeom>
+        </p:spPr>
+      </p:pic>
+      <p:pic>
+        <p:nvPicPr>
+          <p:cNvPr id="5" name="Picture 4"/>
+          <p:cNvPicPr>
+            <a:picLocks noChangeAspect="1"/>
+          </p:cNvPicPr>
+          <p:nvPr/>
+        </p:nvPicPr>
+        <p:blipFill>
+          <a:blip r:embed="rId3"/>
+          <a:stretch>
+            <a:fillRect/>
+          </a:stretch>
+        </p:blipFill>
+        <p:spPr>
+          <a:xfrm>
+            <a:off x="179511" y="3888381"/>
+            <a:ext cx="6624735" cy="2657475"/>
+          </a:xfrm>
+          <a:prstGeom prst="rect">
+            <a:avLst/>
+          </a:prstGeom>
+        </p:spPr>
+      </p:pic>
+    </p:spTree>
+    <p:extLst>
+      <p:ext uri="{BB962C8B-B14F-4D97-AF65-F5344CB8AC3E}">
+        <p14:creationId xmlns:p14="http://schemas.microsoft.com/office/powerpoint/2010/main" val="1256602865"/>
+      </p:ext>
+    </p:extLst>
+  </p:cSld>
+  <p:clrMapOvr>
+    <a:masterClrMapping/>
+  </p:clrMapOvr>
+</p:sld>
+</file>
+
+<file path=ppt/slides/slide18.xml><?xml version="1.0" encoding="utf-8"?>
+<p:sld xmlns:a="http://schemas.openxmlformats.org/drawingml/2006/main" xmlns:r="http://schemas.openxmlformats.org/officeDocument/2006/relationships" xmlns:p="http://schemas.openxmlformats.org/presentationml/2006/main">
+  <p:cSld>
+    <p:spTree>
+      <p:nvGrpSpPr>
+        <p:cNvPr id="1" name=""/>
+        <p:cNvGrpSpPr/>
+        <p:nvPr/>
+      </p:nvGrpSpPr>
+      <p:grpSpPr>
+        <a:xfrm>
+          <a:off x="0" y="0"/>
+          <a:ext cx="0" cy="0"/>
+          <a:chOff x="0" y="0"/>
+          <a:chExt cx="0" cy="0"/>
+        </a:xfrm>
+      </p:grpSpPr>
+      <p:sp>
+        <p:nvSpPr>
           <p:cNvPr id="2" name="Title 1">
             <a:extLst>
               <a:ext uri="{FF2B5EF4-FFF2-40B4-BE49-F238E27FC236}">
@@ -5412,26 +5558,19 @@
         </p:nvSpPr>
         <p:spPr>
           <a:xfrm>
-            <a:off x="107504" y="116632"/>
+            <a:off x="323528" y="-25361"/>
             <a:ext cx="7416824" cy="1440160"/>
           </a:xfrm>
         </p:spPr>
         <p:txBody>
           <a:bodyPr>
-            <a:normAutofit fontScale="90000"/>
+            <a:normAutofit/>
           </a:bodyPr>
           <a:lstStyle/>
           <a:p>
             <a:r>
-              <a:rPr lang="en-US" dirty="0"/>
-              <a:t>Final Model</a:t>
-            </a:r>
-            <a:br>
-              <a:rPr lang="en-US" dirty="0"/>
-            </a:br>
-            <a:r>
-              <a:rPr lang="en-US" dirty="0"/>
-              <a:t>with constant term</a:t>
+              <a:rPr lang="en-US" dirty="0" smtClean="0"/>
+              <a:t>Random Forest Model </a:t>
             </a:r>
             <a:endParaRPr lang="en-IN" dirty="0"/>
           </a:p>
@@ -5453,7 +5592,7 @@
         </p:blipFill>
         <p:spPr>
           <a:xfrm>
-            <a:off x="107504" y="1844824"/>
+            <a:off x="323528" y="1556792"/>
             <a:ext cx="3905250" cy="2409825"/>
           </a:xfrm>
           <a:prstGeom prst="rect">
@@ -5461,6 +5600,76 @@
           </a:prstGeom>
         </p:spPr>
       </p:pic>
+      <p:sp>
+        <p:nvSpPr>
+          <p:cNvPr id="4" name="Content Placeholder 2"/>
+          <p:cNvSpPr>
+            <a:spLocks noGrp="1"/>
+          </p:cNvSpPr>
+          <p:nvPr>
+            <p:ph idx="1"/>
+          </p:nvPr>
+        </p:nvSpPr>
+        <p:spPr>
+          <a:xfrm>
+            <a:off x="31513" y="4437112"/>
+            <a:ext cx="8964488" cy="2031504"/>
+          </a:xfrm>
+        </p:spPr>
+        <p:txBody>
+          <a:bodyPr>
+            <a:normAutofit/>
+          </a:bodyPr>
+          <a:lstStyle/>
+          <a:p>
+            <a:r>
+              <a:rPr lang="en-US" sz="1800" dirty="0" smtClean="0">
+                <a:latin typeface="+mj-lt"/>
+              </a:rPr>
+              <a:t> </a:t>
+            </a:r>
+            <a:r>
+              <a:rPr lang="en-US" sz="1800" dirty="0" err="1" smtClean="0">
+                <a:latin typeface="+mj-lt"/>
+              </a:rPr>
+              <a:t>Max_depth</a:t>
+            </a:r>
+            <a:r>
+              <a:rPr lang="en-US" sz="1800" dirty="0" smtClean="0">
+                <a:latin typeface="+mj-lt"/>
+              </a:rPr>
+              <a:t> of the trees is chosen as important </a:t>
+            </a:r>
+            <a:r>
+              <a:rPr lang="en-US" sz="1800" dirty="0" err="1" smtClean="0">
+                <a:latin typeface="+mj-lt"/>
+              </a:rPr>
+              <a:t>hyperparameter</a:t>
+            </a:r>
+            <a:r>
+              <a:rPr lang="en-US" sz="1800" dirty="0" smtClean="0">
+                <a:latin typeface="+mj-lt"/>
+              </a:rPr>
+              <a:t> and plots of Training and test accuracies are made on the basis of different values of </a:t>
+            </a:r>
+            <a:r>
+              <a:rPr lang="en-US" sz="1800" dirty="0" err="1" smtClean="0">
+                <a:latin typeface="+mj-lt"/>
+              </a:rPr>
+              <a:t>Max_depth</a:t>
+            </a:r>
+            <a:r>
+              <a:rPr lang="en-US" sz="1800" dirty="0" smtClean="0">
+                <a:latin typeface="+mj-lt"/>
+              </a:rPr>
+              <a:t>.</a:t>
+            </a:r>
+            <a:endParaRPr lang="en-US" sz="1800" dirty="0" smtClean="0">
+              <a:latin typeface="+mj-lt"/>
+            </a:endParaRPr>
+          </a:p>
+        </p:txBody>
+      </p:sp>
     </p:spTree>
     <p:extLst>
       <p:ext uri="{BB962C8B-B14F-4D97-AF65-F5344CB8AC3E}">
@@ -5474,7 +5683,7 @@
 </p:sld>
 </file>
 
-<file path=ppt/slides/slide18.xml><?xml version="1.0" encoding="utf-8"?>
+<file path=ppt/slides/slide19.xml><?xml version="1.0" encoding="utf-8"?>
 <p:sld xmlns:a="http://schemas.openxmlformats.org/drawingml/2006/main" xmlns:r="http://schemas.openxmlformats.org/officeDocument/2006/relationships" xmlns:p="http://schemas.openxmlformats.org/presentationml/2006/main">
   <p:cSld>
     <p:spTree>
@@ -5507,11 +5716,20 @@
             <p:ph type="title"/>
           </p:nvPr>
         </p:nvSpPr>
-        <p:spPr/>
+        <p:spPr>
+          <a:xfrm>
+            <a:off x="457200" y="96838"/>
+            <a:ext cx="8229600" cy="1143000"/>
+          </a:xfrm>
+        </p:spPr>
         <p:txBody>
           <a:bodyPr/>
           <a:lstStyle/>
           <a:p>
+            <a:r>
+              <a:rPr lang="en-IN" dirty="0" smtClean="0"/>
+              <a:t>KNN</a:t>
+            </a:r>
             <a:endParaRPr lang="en-IN" dirty="0"/>
           </a:p>
         </p:txBody>
@@ -5534,106 +5752,250 @@
         </p:blipFill>
         <p:spPr>
           <a:xfrm>
-            <a:off x="899592" y="2564904"/>
-            <a:ext cx="4171950" cy="2419350"/>
+            <a:off x="457200" y="1239838"/>
+            <a:ext cx="5956937" cy="2736304"/>
           </a:xfrm>
           <a:prstGeom prst="rect">
             <a:avLst/>
           </a:prstGeom>
         </p:spPr>
       </p:pic>
-    </p:spTree>
-    <p:extLst>
-      <p:ext uri="{BB962C8B-B14F-4D97-AF65-F5344CB8AC3E}">
-        <p14:creationId xmlns:p14="http://schemas.microsoft.com/office/powerpoint/2010/main" val="3602611722"/>
-      </p:ext>
-    </p:extLst>
-  </p:cSld>
-  <p:clrMapOvr>
-    <a:masterClrMapping/>
-  </p:clrMapOvr>
-</p:sld>
-</file>
-
-<file path=ppt/slides/slide19.xml><?xml version="1.0" encoding="utf-8"?>
-<p:sld xmlns:a="http://schemas.openxmlformats.org/drawingml/2006/main" xmlns:r="http://schemas.openxmlformats.org/officeDocument/2006/relationships" xmlns:p="http://schemas.openxmlformats.org/presentationml/2006/main">
-  <p:cSld>
-    <p:spTree>
-      <p:nvGrpSpPr>
-        <p:cNvPr id="1" name=""/>
-        <p:cNvGrpSpPr/>
-        <p:nvPr/>
-      </p:nvGrpSpPr>
-      <p:grpSpPr>
-        <a:xfrm>
-          <a:off x="0" y="0"/>
-          <a:ext cx="0" cy="0"/>
-          <a:chOff x="0" y="0"/>
-          <a:chExt cx="0" cy="0"/>
-        </a:xfrm>
-      </p:grpSpPr>
       <p:sp>
         <p:nvSpPr>
-          <p:cNvPr id="8" name="Title 1">
-            <a:extLst>
-              <a:ext uri="{FF2B5EF4-FFF2-40B4-BE49-F238E27FC236}">
-                <a16:creationId xmlns:a16="http://schemas.microsoft.com/office/drawing/2014/main" id="{C7DA0C6E-7F34-4EBD-B6B2-9BE0F59100E0}"/>
-              </a:ext>
-            </a:extLst>
-          </p:cNvPr>
-          <p:cNvSpPr>
-            <a:spLocks noGrp="1"/>
+          <p:cNvPr id="4" name="Content Placeholder 2"/>
+          <p:cNvSpPr txBox="1">
+            <a:spLocks/>
           </p:cNvSpPr>
-          <p:nvPr>
-            <p:ph type="title"/>
-          </p:nvPr>
+          <p:nvPr/>
         </p:nvSpPr>
         <p:spPr>
           <a:xfrm>
-            <a:off x="345144" y="157162"/>
-            <a:ext cx="8229600" cy="1143000"/>
-          </a:xfrm>
-        </p:spPr>
-        <p:txBody>
-          <a:bodyPr/>
-          <a:lstStyle/>
-          <a:p>
-            <a:r>
-              <a:rPr lang="en-US" dirty="0"/>
-              <a:t>Regression Diagnostics</a:t>
-            </a:r>
-            <a:endParaRPr lang="en-IN" dirty="0"/>
-          </a:p>
-        </p:txBody>
-      </p:sp>
-      <p:pic>
-        <p:nvPicPr>
-          <p:cNvPr id="2" name="Picture 1"/>
-          <p:cNvPicPr>
-            <a:picLocks noChangeAspect="1"/>
-          </p:cNvPicPr>
-          <p:nvPr/>
-        </p:nvPicPr>
-        <p:blipFill>
-          <a:blip r:embed="rId2"/>
-          <a:stretch>
-            <a:fillRect/>
-          </a:stretch>
-        </p:blipFill>
-        <p:spPr>
-          <a:xfrm>
-            <a:off x="2619375" y="2228850"/>
-            <a:ext cx="3905250" cy="2400300"/>
+            <a:off x="31513" y="4437112"/>
+            <a:ext cx="8964488" cy="2031504"/>
           </a:xfrm>
           <a:prstGeom prst="rect">
             <a:avLst/>
           </a:prstGeom>
         </p:spPr>
-      </p:pic>
+        <p:txBody>
+          <a:bodyPr vert="horz">
+            <a:normAutofit/>
+          </a:bodyPr>
+          <a:lstStyle>
+            <a:lvl1pPr marL="274320" indent="-274320" algn="l" rtl="0" eaLnBrk="1" latinLnBrk="0" hangingPunct="1">
+              <a:spcBef>
+                <a:spcPct val="20000"/>
+              </a:spcBef>
+              <a:buClr>
+                <a:schemeClr val="accent3"/>
+              </a:buClr>
+              <a:buSzPct val="95000"/>
+              <a:buFont typeface="Wingdings 2"/>
+              <a:buChar char=""/>
+              <a:defRPr kumimoji="0" sz="2600" kern="1200">
+                <a:solidFill>
+                  <a:schemeClr val="tx1"/>
+                </a:solidFill>
+                <a:latin typeface="+mn-lt"/>
+                <a:ea typeface="+mn-ea"/>
+                <a:cs typeface="+mn-cs"/>
+              </a:defRPr>
+            </a:lvl1pPr>
+            <a:lvl2pPr marL="640080" indent="-246888" algn="l" rtl="0" eaLnBrk="1" latinLnBrk="0" hangingPunct="1">
+              <a:spcBef>
+                <a:spcPct val="20000"/>
+              </a:spcBef>
+              <a:buClr>
+                <a:schemeClr val="accent1"/>
+              </a:buClr>
+              <a:buSzPct val="85000"/>
+              <a:buFont typeface="Wingdings 2"/>
+              <a:buChar char=""/>
+              <a:defRPr kumimoji="0" sz="2400" kern="1200">
+                <a:solidFill>
+                  <a:schemeClr val="tx1"/>
+                </a:solidFill>
+                <a:latin typeface="+mn-lt"/>
+                <a:ea typeface="+mn-ea"/>
+                <a:cs typeface="+mn-cs"/>
+              </a:defRPr>
+            </a:lvl2pPr>
+            <a:lvl3pPr marL="914400" indent="-246888" algn="l" rtl="0" eaLnBrk="1" latinLnBrk="0" hangingPunct="1">
+              <a:spcBef>
+                <a:spcPct val="20000"/>
+              </a:spcBef>
+              <a:buClr>
+                <a:schemeClr val="accent2"/>
+              </a:buClr>
+              <a:buSzPct val="70000"/>
+              <a:buFont typeface="Wingdings 2"/>
+              <a:buChar char=""/>
+              <a:defRPr kumimoji="0" sz="2100" kern="1200">
+                <a:solidFill>
+                  <a:schemeClr val="tx1"/>
+                </a:solidFill>
+                <a:latin typeface="+mn-lt"/>
+                <a:ea typeface="+mn-ea"/>
+                <a:cs typeface="+mn-cs"/>
+              </a:defRPr>
+            </a:lvl3pPr>
+            <a:lvl4pPr marL="1188720" indent="-210312" algn="l" rtl="0" eaLnBrk="1" latinLnBrk="0" hangingPunct="1">
+              <a:spcBef>
+                <a:spcPct val="20000"/>
+              </a:spcBef>
+              <a:buClr>
+                <a:schemeClr val="accent3"/>
+              </a:buClr>
+              <a:buSzPct val="65000"/>
+              <a:buFont typeface="Wingdings 2"/>
+              <a:buChar char=""/>
+              <a:defRPr kumimoji="0" sz="2000" kern="1200">
+                <a:solidFill>
+                  <a:schemeClr val="tx1"/>
+                </a:solidFill>
+                <a:latin typeface="+mn-lt"/>
+                <a:ea typeface="+mn-ea"/>
+                <a:cs typeface="+mn-cs"/>
+              </a:defRPr>
+            </a:lvl4pPr>
+            <a:lvl5pPr marL="1463040" indent="-210312" algn="l" rtl="0" eaLnBrk="1" latinLnBrk="0" hangingPunct="1">
+              <a:spcBef>
+                <a:spcPct val="20000"/>
+              </a:spcBef>
+              <a:buClr>
+                <a:schemeClr val="accent4"/>
+              </a:buClr>
+              <a:buSzPct val="65000"/>
+              <a:buFont typeface="Wingdings 2"/>
+              <a:buChar char=""/>
+              <a:defRPr kumimoji="0" sz="2000" kern="1200">
+                <a:solidFill>
+                  <a:schemeClr val="tx1"/>
+                </a:solidFill>
+                <a:latin typeface="+mn-lt"/>
+                <a:ea typeface="+mn-ea"/>
+                <a:cs typeface="+mn-cs"/>
+              </a:defRPr>
+            </a:lvl5pPr>
+            <a:lvl6pPr marL="1737360" indent="-210312" algn="l" rtl="0" eaLnBrk="1" latinLnBrk="0" hangingPunct="1">
+              <a:spcBef>
+                <a:spcPct val="20000"/>
+              </a:spcBef>
+              <a:buClr>
+                <a:schemeClr val="accent5"/>
+              </a:buClr>
+              <a:buSzPct val="80000"/>
+              <a:buFont typeface="Wingdings 2"/>
+              <a:buChar char=""/>
+              <a:defRPr kumimoji="0" sz="1800" kern="1200">
+                <a:solidFill>
+                  <a:schemeClr val="tx1"/>
+                </a:solidFill>
+                <a:latin typeface="+mn-lt"/>
+                <a:ea typeface="+mn-ea"/>
+                <a:cs typeface="+mn-cs"/>
+              </a:defRPr>
+            </a:lvl6pPr>
+            <a:lvl7pPr marL="1920240" indent="-182880" algn="l" rtl="0" eaLnBrk="1" latinLnBrk="0" hangingPunct="1">
+              <a:spcBef>
+                <a:spcPct val="20000"/>
+              </a:spcBef>
+              <a:buClr>
+                <a:schemeClr val="accent6"/>
+              </a:buClr>
+              <a:buSzPct val="80000"/>
+              <a:buFont typeface="Wingdings 2"/>
+              <a:buChar char=""/>
+              <a:defRPr kumimoji="0" sz="1600" kern="1200" baseline="0">
+                <a:solidFill>
+                  <a:schemeClr val="tx1"/>
+                </a:solidFill>
+                <a:latin typeface="+mn-lt"/>
+                <a:ea typeface="+mn-ea"/>
+                <a:cs typeface="+mn-cs"/>
+              </a:defRPr>
+            </a:lvl7pPr>
+            <a:lvl8pPr marL="2194560" indent="-182880" algn="l" rtl="0" eaLnBrk="1" latinLnBrk="0" hangingPunct="1">
+              <a:spcBef>
+                <a:spcPct val="20000"/>
+              </a:spcBef>
+              <a:buClr>
+                <a:schemeClr val="tx2"/>
+              </a:buClr>
+              <a:buChar char="•"/>
+              <a:defRPr kumimoji="0" sz="1600" kern="1200">
+                <a:solidFill>
+                  <a:schemeClr val="tx1"/>
+                </a:solidFill>
+                <a:latin typeface="+mn-lt"/>
+                <a:ea typeface="+mn-ea"/>
+                <a:cs typeface="+mn-cs"/>
+              </a:defRPr>
+            </a:lvl8pPr>
+            <a:lvl9pPr marL="2468880" indent="-182880" algn="l" rtl="0" eaLnBrk="1" latinLnBrk="0" hangingPunct="1">
+              <a:spcBef>
+                <a:spcPct val="20000"/>
+              </a:spcBef>
+              <a:buClr>
+                <a:schemeClr val="tx2"/>
+              </a:buClr>
+              <a:buFontTx/>
+              <a:buChar char="•"/>
+              <a:defRPr kumimoji="0" sz="1400" kern="1200" baseline="0">
+                <a:solidFill>
+                  <a:schemeClr val="tx1"/>
+                </a:solidFill>
+                <a:latin typeface="+mn-lt"/>
+                <a:ea typeface="+mn-ea"/>
+                <a:cs typeface="+mn-cs"/>
+              </a:defRPr>
+            </a:lvl9pPr>
+          </a:lstStyle>
+          <a:p>
+            <a:r>
+              <a:rPr lang="en-US" sz="1800" dirty="0" smtClean="0">
+                <a:latin typeface="+mj-lt"/>
+              </a:rPr>
+              <a:t> </a:t>
+            </a:r>
+            <a:r>
+              <a:rPr lang="en-US" sz="1800" dirty="0" err="1"/>
+              <a:t>n_neighbours</a:t>
+            </a:r>
+            <a:r>
+              <a:rPr lang="en-US" sz="1800" dirty="0" smtClean="0">
+                <a:latin typeface="+mj-lt"/>
+              </a:rPr>
+              <a:t> of the KNN classifier is chosen as important </a:t>
+            </a:r>
+            <a:r>
+              <a:rPr lang="en-US" sz="1800" dirty="0" err="1" smtClean="0">
+                <a:latin typeface="+mj-lt"/>
+              </a:rPr>
+              <a:t>hyperparameter</a:t>
+            </a:r>
+            <a:r>
+              <a:rPr lang="en-US" sz="1800" dirty="0" smtClean="0">
+                <a:latin typeface="+mj-lt"/>
+              </a:rPr>
+              <a:t> and plots of Training and test accuracies are made on the basis of different values of  </a:t>
+            </a:r>
+            <a:r>
+              <a:rPr lang="en-US" sz="1800" dirty="0" err="1" smtClean="0">
+                <a:latin typeface="+mj-lt"/>
+              </a:rPr>
+              <a:t>n_neighbours</a:t>
+            </a:r>
+            <a:endParaRPr lang="en-US" sz="1800" dirty="0" smtClean="0">
+              <a:latin typeface="+mj-lt"/>
+            </a:endParaRPr>
+          </a:p>
+        </p:txBody>
+      </p:sp>
     </p:spTree>
     <p:extLst>
       <p:ext uri="{BB962C8B-B14F-4D97-AF65-F5344CB8AC3E}">
-        <p14:creationId xmlns:p14="http://schemas.microsoft.com/office/powerpoint/2010/main" val="1190233027"/>
+        <p14:creationId xmlns:p14="http://schemas.microsoft.com/office/powerpoint/2010/main" val="3602611722"/>
       </p:ext>
     </p:extLst>
   </p:cSld>
@@ -5701,14 +6063,12 @@
           </a:p>
           <a:p>
             <a:r>
+              <a:rPr lang="en-IN" dirty="0" smtClean="0"/>
+              <a:t>Methodology </a:t>
+            </a:r>
+            <a:r>
               <a:rPr lang="en-IN" dirty="0"/>
-              <a:t>Motivation For Study</a:t>
-            </a:r>
-          </a:p>
-          <a:p>
-            <a:r>
-              <a:rPr lang="en-IN" dirty="0"/>
-              <a:t>Methodology &amp; Tools</a:t>
+              <a:t>&amp; Tools</a:t>
             </a:r>
           </a:p>
           <a:p>
@@ -5752,29 +6112,39 @@
           <a:p>
             <a:r>
               <a:rPr lang="en-IN" dirty="0"/>
-              <a:t>Data collection &amp; cleaning</a:t>
-            </a:r>
-          </a:p>
-          <a:p>
+              <a:t>Data collection &amp; </a:t>
+            </a:r>
+            <a:r>
+              <a:rPr lang="en-IN" dirty="0" smtClean="0"/>
+              <a:t>cleaning</a:t>
+            </a:r>
             <a:endParaRPr lang="en-IN" b="1" dirty="0"/>
           </a:p>
           <a:p>
             <a:r>
               <a:rPr lang="en-IN" dirty="0"/>
-              <a:t>Data Understanding</a:t>
-            </a:r>
-            <a:endParaRPr lang="en-IN" sz="2800" dirty="0"/>
-          </a:p>
-          <a:p>
+              <a:t>Data </a:t>
+            </a:r>
+            <a:r>
+              <a:rPr lang="en-IN" dirty="0" smtClean="0"/>
+              <a:t>Understanding</a:t>
+            </a:r>
+            <a:endParaRPr lang="en-IN" sz="2800" dirty="0" smtClean="0"/>
+          </a:p>
+          <a:p>
+            <a:pPr marL="0" indent="0">
+              <a:buNone/>
+            </a:pPr>
+            <a:endParaRPr lang="en-IN" dirty="0" smtClean="0"/>
+          </a:p>
+          <a:p>
+            <a:r>
+              <a:rPr lang="en-IN" dirty="0" smtClean="0"/>
+              <a:t>Analysis </a:t>
+            </a:r>
             <a:r>
               <a:rPr lang="en-IN" dirty="0"/>
-              <a:t>Data Preparation</a:t>
-            </a:r>
-          </a:p>
-          <a:p>
-            <a:r>
-              <a:rPr lang="en-IN" dirty="0"/>
-              <a:t>Analysis &amp; Results </a:t>
+              <a:t>&amp; Results </a:t>
             </a:r>
           </a:p>
           <a:p>
@@ -7323,236 +7693,6 @@
                       </p:childTnLst>
                     </p:cTn>
                   </p:par>
-                  <p:par>
-                    <p:cTn id="87" fill="hold">
-                      <p:stCondLst>
-                        <p:cond delay="indefinite"/>
-                      </p:stCondLst>
-                      <p:childTnLst>
-                        <p:par>
-                          <p:cTn id="88" fill="hold">
-                            <p:stCondLst>
-                              <p:cond delay="0"/>
-                            </p:stCondLst>
-                            <p:childTnLst>
-                              <p:par>
-                                <p:cTn id="89" presetID="42" presetClass="entr" presetSubtype="0" fill="hold" grpId="0" nodeType="clickEffect">
-                                  <p:stCondLst>
-                                    <p:cond delay="0"/>
-                                  </p:stCondLst>
-                                  <p:childTnLst>
-                                    <p:set>
-                                      <p:cBhvr>
-                                        <p:cTn id="90" dur="1" fill="hold">
-                                          <p:stCondLst>
-                                            <p:cond delay="0"/>
-                                          </p:stCondLst>
-                                        </p:cTn>
-                                        <p:tgtEl>
-                                          <p:spTgt spid="3">
-                                            <p:txEl>
-                                              <p:pRg st="13" end="13"/>
-                                            </p:txEl>
-                                          </p:spTgt>
-                                        </p:tgtEl>
-                                        <p:attrNameLst>
-                                          <p:attrName>style.visibility</p:attrName>
-                                        </p:attrNameLst>
-                                      </p:cBhvr>
-                                      <p:to>
-                                        <p:strVal val="visible"/>
-                                      </p:to>
-                                    </p:set>
-                                    <p:animEffect transition="in" filter="fade">
-                                      <p:cBhvr>
-                                        <p:cTn id="91" dur="1000"/>
-                                        <p:tgtEl>
-                                          <p:spTgt spid="3">
-                                            <p:txEl>
-                                              <p:pRg st="13" end="13"/>
-                                            </p:txEl>
-                                          </p:spTgt>
-                                        </p:tgtEl>
-                                      </p:cBhvr>
-                                    </p:animEffect>
-                                    <p:anim calcmode="lin" valueType="num">
-                                      <p:cBhvr>
-                                        <p:cTn id="92" dur="1000" fill="hold"/>
-                                        <p:tgtEl>
-                                          <p:spTgt spid="3">
-                                            <p:txEl>
-                                              <p:pRg st="13" end="13"/>
-                                            </p:txEl>
-                                          </p:spTgt>
-                                        </p:tgtEl>
-                                        <p:attrNameLst>
-                                          <p:attrName>ppt_x</p:attrName>
-                                        </p:attrNameLst>
-                                      </p:cBhvr>
-                                      <p:tavLst>
-                                        <p:tav tm="0">
-                                          <p:val>
-                                            <p:strVal val="#ppt_x"/>
-                                          </p:val>
-                                        </p:tav>
-                                        <p:tav tm="100000">
-                                          <p:val>
-                                            <p:strVal val="#ppt_x"/>
-                                          </p:val>
-                                        </p:tav>
-                                      </p:tavLst>
-                                    </p:anim>
-                                    <p:anim calcmode="lin" valueType="num">
-                                      <p:cBhvr>
-                                        <p:cTn id="93" dur="1000" fill="hold"/>
-                                        <p:tgtEl>
-                                          <p:spTgt spid="3">
-                                            <p:txEl>
-                                              <p:pRg st="13" end="13"/>
-                                            </p:txEl>
-                                          </p:spTgt>
-                                        </p:tgtEl>
-                                        <p:attrNameLst>
-                                          <p:attrName>ppt_y</p:attrName>
-                                        </p:attrNameLst>
-                                      </p:cBhvr>
-                                      <p:tavLst>
-                                        <p:tav tm="0">
-                                          <p:val>
-                                            <p:strVal val="#ppt_y+.1"/>
-                                          </p:val>
-                                        </p:tav>
-                                        <p:tav tm="100000">
-                                          <p:val>
-                                            <p:strVal val="#ppt_y"/>
-                                          </p:val>
-                                        </p:tav>
-                                      </p:tavLst>
-                                    </p:anim>
-                                  </p:childTnLst>
-                                </p:cTn>
-                              </p:par>
-                            </p:childTnLst>
-                          </p:cTn>
-                        </p:par>
-                      </p:childTnLst>
-                    </p:cTn>
-                  </p:par>
-                  <p:par>
-                    <p:cTn id="94" fill="hold">
-                      <p:stCondLst>
-                        <p:cond delay="indefinite"/>
-                      </p:stCondLst>
-                      <p:childTnLst>
-                        <p:par>
-                          <p:cTn id="95" fill="hold">
-                            <p:stCondLst>
-                              <p:cond delay="0"/>
-                            </p:stCondLst>
-                            <p:childTnLst>
-                              <p:par>
-                                <p:cTn id="96" presetID="42" presetClass="entr" presetSubtype="0" fill="hold" grpId="0" nodeType="clickEffect">
-                                  <p:stCondLst>
-                                    <p:cond delay="0"/>
-                                  </p:stCondLst>
-                                  <p:childTnLst>
-                                    <p:set>
-                                      <p:cBhvr>
-                                        <p:cTn id="97" dur="1" fill="hold">
-                                          <p:stCondLst>
-                                            <p:cond delay="0"/>
-                                          </p:stCondLst>
-                                        </p:cTn>
-                                        <p:tgtEl>
-                                          <p:spTgt spid="3">
-                                            <p:txEl>
-                                              <p:pRg st="14" end="14"/>
-                                            </p:txEl>
-                                          </p:spTgt>
-                                        </p:tgtEl>
-                                        <p:attrNameLst>
-                                          <p:attrName>style.visibility</p:attrName>
-                                        </p:attrNameLst>
-                                      </p:cBhvr>
-                                      <p:to>
-                                        <p:strVal val="visible"/>
-                                      </p:to>
-                                    </p:set>
-                                    <p:animEffect transition="in" filter="fade">
-                                      <p:cBhvr>
-                                        <p:cTn id="98" dur="1000"/>
-                                        <p:tgtEl>
-                                          <p:spTgt spid="3">
-                                            <p:txEl>
-                                              <p:pRg st="14" end="14"/>
-                                            </p:txEl>
-                                          </p:spTgt>
-                                        </p:tgtEl>
-                                      </p:cBhvr>
-                                    </p:animEffect>
-                                    <p:anim calcmode="lin" valueType="num">
-                                      <p:cBhvr>
-                                        <p:cTn id="99" dur="1000" fill="hold"/>
-                                        <p:tgtEl>
-                                          <p:spTgt spid="3">
-                                            <p:txEl>
-                                              <p:pRg st="14" end="14"/>
-                                            </p:txEl>
-                                          </p:spTgt>
-                                        </p:tgtEl>
-                                        <p:attrNameLst>
-                                          <p:attrName>ppt_x</p:attrName>
-                                        </p:attrNameLst>
-                                      </p:cBhvr>
-                                      <p:tavLst>
-                                        <p:tav tm="0">
-                                          <p:val>
-                                            <p:strVal val="#ppt_x"/>
-                                          </p:val>
-                                        </p:tav>
-                                        <p:tav tm="100000">
-                                          <p:val>
-                                            <p:strVal val="#ppt_x"/>
-                                          </p:val>
-                                        </p:tav>
-                                      </p:tavLst>
-                                    </p:anim>
-                                    <p:anim calcmode="lin" valueType="num">
-                                      <p:cBhvr>
-                                        <p:cTn id="100" dur="1000" fill="hold"/>
-                                        <p:tgtEl>
-                                          <p:spTgt spid="3">
-                                            <p:txEl>
-                                              <p:pRg st="14" end="14"/>
-                                            </p:txEl>
-                                          </p:spTgt>
-                                        </p:tgtEl>
-                                        <p:attrNameLst>
-                                          <p:attrName>ppt_y</p:attrName>
-                                        </p:attrNameLst>
-                                      </p:cBhvr>
-                                      <p:tavLst>
-                                        <p:tav tm="0">
-                                          <p:val>
-                                            <p:strVal val="#ppt_y+.1"/>
-                                          </p:val>
-                                        </p:tav>
-                                        <p:tav tm="100000">
-                                          <p:val>
-                                            <p:strVal val="#ppt_y"/>
-                                          </p:val>
-                                        </p:tav>
-                                      </p:tavLst>
-                                    </p:anim>
-                                  </p:childTnLst>
-                                </p:cTn>
-                              </p:par>
-                            </p:childTnLst>
-                          </p:cTn>
-                        </p:par>
-                      </p:childTnLst>
-                    </p:cTn>
-                  </p:par>
                 </p:childTnLst>
               </p:cTn>
               <p:prevCondLst>
@@ -7600,10 +7740,10 @@
       </p:grpSpPr>
       <p:sp>
         <p:nvSpPr>
-          <p:cNvPr id="3" name="Content Placeholder 2">
+          <p:cNvPr id="8" name="Title 1">
             <a:extLst>
               <a:ext uri="{FF2B5EF4-FFF2-40B4-BE49-F238E27FC236}">
-                <a16:creationId xmlns:a16="http://schemas.microsoft.com/office/drawing/2014/main" id="{7833F87D-897A-427F-9BB8-0EEBDDBCF100}"/>
+                <a16:creationId xmlns:a16="http://schemas.microsoft.com/office/drawing/2014/main" id="{C7DA0C6E-7F34-4EBD-B6B2-9BE0F59100E0}"/>
               </a:ext>
             </a:extLst>
           </p:cNvPr>
@@ -7611,13 +7751,13 @@
             <a:spLocks noGrp="1"/>
           </p:cNvSpPr>
           <p:nvPr>
-            <p:ph idx="1"/>
+            <p:ph type="title"/>
           </p:nvPr>
         </p:nvSpPr>
         <p:spPr>
           <a:xfrm>
-            <a:off x="5226362" y="836712"/>
-            <a:ext cx="3594109" cy="4389120"/>
+            <a:off x="345144" y="157162"/>
+            <a:ext cx="8229600" cy="1143000"/>
           </a:xfrm>
         </p:spPr>
         <p:txBody>
@@ -7625,14 +7765,8 @@
           <a:lstStyle/>
           <a:p>
             <a:r>
-              <a:rPr lang="en-US" dirty="0"/>
-              <a:t> Influential Observations </a:t>
-            </a:r>
-          </a:p>
-          <a:p>
-            <a:r>
-              <a:rPr lang="en-US" dirty="0"/>
-              <a:t> Line plot of Predicted and Actual values</a:t>
+              <a:rPr lang="en-IN" dirty="0" smtClean="0"/>
+              <a:t>Decision Trees</a:t>
             </a:r>
             <a:endParaRPr lang="en-IN" dirty="0"/>
           </a:p>
@@ -7654,14 +7788,394 @@
         </p:blipFill>
         <p:spPr>
           <a:xfrm>
-            <a:off x="683568" y="2204864"/>
-            <a:ext cx="4000500" cy="2562225"/>
+            <a:off x="2619375" y="2228850"/>
+            <a:ext cx="3905250" cy="2400300"/>
           </a:xfrm>
           <a:prstGeom prst="rect">
             <a:avLst/>
           </a:prstGeom>
         </p:spPr>
       </p:pic>
+      <p:sp>
+        <p:nvSpPr>
+          <p:cNvPr id="4" name="Content Placeholder 2"/>
+          <p:cNvSpPr>
+            <a:spLocks noGrp="1"/>
+          </p:cNvSpPr>
+          <p:nvPr>
+            <p:ph idx="1"/>
+          </p:nvPr>
+        </p:nvSpPr>
+        <p:spPr>
+          <a:xfrm>
+            <a:off x="31513" y="4437112"/>
+            <a:ext cx="8964488" cy="2031504"/>
+          </a:xfrm>
+        </p:spPr>
+        <p:txBody>
+          <a:bodyPr>
+            <a:normAutofit/>
+          </a:bodyPr>
+          <a:lstStyle/>
+          <a:p>
+            <a:r>
+              <a:rPr lang="en-US" sz="1800" dirty="0" smtClean="0">
+                <a:latin typeface="+mj-lt"/>
+              </a:rPr>
+              <a:t> </a:t>
+            </a:r>
+            <a:r>
+              <a:rPr lang="en-US" sz="1800" dirty="0" err="1" smtClean="0">
+                <a:latin typeface="+mj-lt"/>
+              </a:rPr>
+              <a:t>Max_depth</a:t>
+            </a:r>
+            <a:r>
+              <a:rPr lang="en-US" sz="1800" dirty="0" smtClean="0">
+                <a:latin typeface="+mj-lt"/>
+              </a:rPr>
+              <a:t> of the trees is chosen as important </a:t>
+            </a:r>
+            <a:r>
+              <a:rPr lang="en-US" sz="1800" dirty="0" err="1" smtClean="0">
+                <a:latin typeface="+mj-lt"/>
+              </a:rPr>
+              <a:t>hyperparameter</a:t>
+            </a:r>
+            <a:r>
+              <a:rPr lang="en-US" sz="1800" dirty="0" smtClean="0">
+                <a:latin typeface="+mj-lt"/>
+              </a:rPr>
+              <a:t> and plots of Training and test accuracies are made on the basis of different values of </a:t>
+            </a:r>
+            <a:r>
+              <a:rPr lang="en-US" sz="1800" dirty="0" err="1" smtClean="0">
+                <a:latin typeface="+mj-lt"/>
+              </a:rPr>
+              <a:t>Max_depth</a:t>
+            </a:r>
+            <a:endParaRPr lang="en-US" sz="1800" dirty="0" smtClean="0">
+              <a:latin typeface="+mj-lt"/>
+            </a:endParaRPr>
+          </a:p>
+        </p:txBody>
+      </p:sp>
+    </p:spTree>
+    <p:extLst>
+      <p:ext uri="{BB962C8B-B14F-4D97-AF65-F5344CB8AC3E}">
+        <p14:creationId xmlns:p14="http://schemas.microsoft.com/office/powerpoint/2010/main" val="1190233027"/>
+      </p:ext>
+    </p:extLst>
+  </p:cSld>
+  <p:clrMapOvr>
+    <a:masterClrMapping/>
+  </p:clrMapOvr>
+</p:sld>
+</file>
+
+<file path=ppt/slides/slide21.xml><?xml version="1.0" encoding="utf-8"?>
+<p:sld xmlns:a="http://schemas.openxmlformats.org/drawingml/2006/main" xmlns:r="http://schemas.openxmlformats.org/officeDocument/2006/relationships" xmlns:p="http://schemas.openxmlformats.org/presentationml/2006/main">
+  <p:cSld>
+    <p:spTree>
+      <p:nvGrpSpPr>
+        <p:cNvPr id="1" name=""/>
+        <p:cNvGrpSpPr/>
+        <p:nvPr/>
+      </p:nvGrpSpPr>
+      <p:grpSpPr>
+        <a:xfrm>
+          <a:off x="0" y="0"/>
+          <a:ext cx="0" cy="0"/>
+          <a:chOff x="0" y="0"/>
+          <a:chExt cx="0" cy="0"/>
+        </a:xfrm>
+      </p:grpSpPr>
+      <p:pic>
+        <p:nvPicPr>
+          <p:cNvPr id="2" name="Picture 1"/>
+          <p:cNvPicPr>
+            <a:picLocks noChangeAspect="1"/>
+          </p:cNvPicPr>
+          <p:nvPr/>
+        </p:nvPicPr>
+        <p:blipFill>
+          <a:blip r:embed="rId2"/>
+          <a:stretch>
+            <a:fillRect/>
+          </a:stretch>
+        </p:blipFill>
+        <p:spPr>
+          <a:xfrm>
+            <a:off x="480372" y="1700808"/>
+            <a:ext cx="5027732" cy="3220143"/>
+          </a:xfrm>
+          <a:prstGeom prst="rect">
+            <a:avLst/>
+          </a:prstGeom>
+        </p:spPr>
+      </p:pic>
+      <p:sp>
+        <p:nvSpPr>
+          <p:cNvPr id="5" name="Content Placeholder 2"/>
+          <p:cNvSpPr txBox="1">
+            <a:spLocks/>
+          </p:cNvSpPr>
+          <p:nvPr/>
+        </p:nvSpPr>
+        <p:spPr>
+          <a:xfrm>
+            <a:off x="179512" y="5013176"/>
+            <a:ext cx="8964488" cy="2031504"/>
+          </a:xfrm>
+          <a:prstGeom prst="rect">
+            <a:avLst/>
+          </a:prstGeom>
+        </p:spPr>
+        <p:txBody>
+          <a:bodyPr vert="horz">
+            <a:normAutofit/>
+          </a:bodyPr>
+          <a:lstStyle>
+            <a:lvl1pPr marL="274320" indent="-274320" algn="l" rtl="0" eaLnBrk="1" latinLnBrk="0" hangingPunct="1">
+              <a:spcBef>
+                <a:spcPct val="20000"/>
+              </a:spcBef>
+              <a:buClr>
+                <a:schemeClr val="accent3"/>
+              </a:buClr>
+              <a:buSzPct val="95000"/>
+              <a:buFont typeface="Wingdings 2"/>
+              <a:buChar char=""/>
+              <a:defRPr kumimoji="0" sz="2600" kern="1200">
+                <a:solidFill>
+                  <a:schemeClr val="tx1"/>
+                </a:solidFill>
+                <a:latin typeface="+mn-lt"/>
+                <a:ea typeface="+mn-ea"/>
+                <a:cs typeface="+mn-cs"/>
+              </a:defRPr>
+            </a:lvl1pPr>
+            <a:lvl2pPr marL="640080" indent="-246888" algn="l" rtl="0" eaLnBrk="1" latinLnBrk="0" hangingPunct="1">
+              <a:spcBef>
+                <a:spcPct val="20000"/>
+              </a:spcBef>
+              <a:buClr>
+                <a:schemeClr val="accent1"/>
+              </a:buClr>
+              <a:buSzPct val="85000"/>
+              <a:buFont typeface="Wingdings 2"/>
+              <a:buChar char=""/>
+              <a:defRPr kumimoji="0" sz="2400" kern="1200">
+                <a:solidFill>
+                  <a:schemeClr val="tx1"/>
+                </a:solidFill>
+                <a:latin typeface="+mn-lt"/>
+                <a:ea typeface="+mn-ea"/>
+                <a:cs typeface="+mn-cs"/>
+              </a:defRPr>
+            </a:lvl2pPr>
+            <a:lvl3pPr marL="914400" indent="-246888" algn="l" rtl="0" eaLnBrk="1" latinLnBrk="0" hangingPunct="1">
+              <a:spcBef>
+                <a:spcPct val="20000"/>
+              </a:spcBef>
+              <a:buClr>
+                <a:schemeClr val="accent2"/>
+              </a:buClr>
+              <a:buSzPct val="70000"/>
+              <a:buFont typeface="Wingdings 2"/>
+              <a:buChar char=""/>
+              <a:defRPr kumimoji="0" sz="2100" kern="1200">
+                <a:solidFill>
+                  <a:schemeClr val="tx1"/>
+                </a:solidFill>
+                <a:latin typeface="+mn-lt"/>
+                <a:ea typeface="+mn-ea"/>
+                <a:cs typeface="+mn-cs"/>
+              </a:defRPr>
+            </a:lvl3pPr>
+            <a:lvl4pPr marL="1188720" indent="-210312" algn="l" rtl="0" eaLnBrk="1" latinLnBrk="0" hangingPunct="1">
+              <a:spcBef>
+                <a:spcPct val="20000"/>
+              </a:spcBef>
+              <a:buClr>
+                <a:schemeClr val="accent3"/>
+              </a:buClr>
+              <a:buSzPct val="65000"/>
+              <a:buFont typeface="Wingdings 2"/>
+              <a:buChar char=""/>
+              <a:defRPr kumimoji="0" sz="2000" kern="1200">
+                <a:solidFill>
+                  <a:schemeClr val="tx1"/>
+                </a:solidFill>
+                <a:latin typeface="+mn-lt"/>
+                <a:ea typeface="+mn-ea"/>
+                <a:cs typeface="+mn-cs"/>
+              </a:defRPr>
+            </a:lvl4pPr>
+            <a:lvl5pPr marL="1463040" indent="-210312" algn="l" rtl="0" eaLnBrk="1" latinLnBrk="0" hangingPunct="1">
+              <a:spcBef>
+                <a:spcPct val="20000"/>
+              </a:spcBef>
+              <a:buClr>
+                <a:schemeClr val="accent4"/>
+              </a:buClr>
+              <a:buSzPct val="65000"/>
+              <a:buFont typeface="Wingdings 2"/>
+              <a:buChar char=""/>
+              <a:defRPr kumimoji="0" sz="2000" kern="1200">
+                <a:solidFill>
+                  <a:schemeClr val="tx1"/>
+                </a:solidFill>
+                <a:latin typeface="+mn-lt"/>
+                <a:ea typeface="+mn-ea"/>
+                <a:cs typeface="+mn-cs"/>
+              </a:defRPr>
+            </a:lvl5pPr>
+            <a:lvl6pPr marL="1737360" indent="-210312" algn="l" rtl="0" eaLnBrk="1" latinLnBrk="0" hangingPunct="1">
+              <a:spcBef>
+                <a:spcPct val="20000"/>
+              </a:spcBef>
+              <a:buClr>
+                <a:schemeClr val="accent5"/>
+              </a:buClr>
+              <a:buSzPct val="80000"/>
+              <a:buFont typeface="Wingdings 2"/>
+              <a:buChar char=""/>
+              <a:defRPr kumimoji="0" sz="1800" kern="1200">
+                <a:solidFill>
+                  <a:schemeClr val="tx1"/>
+                </a:solidFill>
+                <a:latin typeface="+mn-lt"/>
+                <a:ea typeface="+mn-ea"/>
+                <a:cs typeface="+mn-cs"/>
+              </a:defRPr>
+            </a:lvl6pPr>
+            <a:lvl7pPr marL="1920240" indent="-182880" algn="l" rtl="0" eaLnBrk="1" latinLnBrk="0" hangingPunct="1">
+              <a:spcBef>
+                <a:spcPct val="20000"/>
+              </a:spcBef>
+              <a:buClr>
+                <a:schemeClr val="accent6"/>
+              </a:buClr>
+              <a:buSzPct val="80000"/>
+              <a:buFont typeface="Wingdings 2"/>
+              <a:buChar char=""/>
+              <a:defRPr kumimoji="0" sz="1600" kern="1200" baseline="0">
+                <a:solidFill>
+                  <a:schemeClr val="tx1"/>
+                </a:solidFill>
+                <a:latin typeface="+mn-lt"/>
+                <a:ea typeface="+mn-ea"/>
+                <a:cs typeface="+mn-cs"/>
+              </a:defRPr>
+            </a:lvl7pPr>
+            <a:lvl8pPr marL="2194560" indent="-182880" algn="l" rtl="0" eaLnBrk="1" latinLnBrk="0" hangingPunct="1">
+              <a:spcBef>
+                <a:spcPct val="20000"/>
+              </a:spcBef>
+              <a:buClr>
+                <a:schemeClr val="tx2"/>
+              </a:buClr>
+              <a:buChar char="•"/>
+              <a:defRPr kumimoji="0" sz="1600" kern="1200">
+                <a:solidFill>
+                  <a:schemeClr val="tx1"/>
+                </a:solidFill>
+                <a:latin typeface="+mn-lt"/>
+                <a:ea typeface="+mn-ea"/>
+                <a:cs typeface="+mn-cs"/>
+              </a:defRPr>
+            </a:lvl8pPr>
+            <a:lvl9pPr marL="2468880" indent="-182880" algn="l" rtl="0" eaLnBrk="1" latinLnBrk="0" hangingPunct="1">
+              <a:spcBef>
+                <a:spcPct val="20000"/>
+              </a:spcBef>
+              <a:buClr>
+                <a:schemeClr val="tx2"/>
+              </a:buClr>
+              <a:buFontTx/>
+              <a:buChar char="•"/>
+              <a:defRPr kumimoji="0" sz="1400" kern="1200" baseline="0">
+                <a:solidFill>
+                  <a:schemeClr val="tx1"/>
+                </a:solidFill>
+                <a:latin typeface="+mn-lt"/>
+                <a:ea typeface="+mn-ea"/>
+                <a:cs typeface="+mn-cs"/>
+              </a:defRPr>
+            </a:lvl9pPr>
+          </a:lstStyle>
+          <a:p>
+            <a:r>
+              <a:rPr lang="en-US" sz="1800" dirty="0" smtClean="0">
+                <a:latin typeface="+mj-lt"/>
+              </a:rPr>
+              <a:t> </a:t>
+            </a:r>
+            <a:r>
+              <a:rPr lang="en-US" sz="1800" dirty="0" err="1" smtClean="0">
+                <a:latin typeface="+mj-lt"/>
+              </a:rPr>
+              <a:t>Var_smoothing</a:t>
+            </a:r>
+            <a:r>
+              <a:rPr lang="en-US" sz="1800" dirty="0" smtClean="0">
+                <a:latin typeface="+mj-lt"/>
+              </a:rPr>
+              <a:t> of the trees is chosen as important </a:t>
+            </a:r>
+            <a:r>
+              <a:rPr lang="en-US" sz="1800" dirty="0" err="1" smtClean="0">
+                <a:latin typeface="+mj-lt"/>
+              </a:rPr>
+              <a:t>hyperparameter</a:t>
+            </a:r>
+            <a:r>
+              <a:rPr lang="en-US" sz="1800" dirty="0" smtClean="0">
+                <a:latin typeface="+mj-lt"/>
+              </a:rPr>
+              <a:t> and plots of Training and test accuracies are made on the basis of different values of smoothing constant.</a:t>
+            </a:r>
+            <a:endParaRPr lang="en-US" sz="1800" dirty="0" smtClean="0">
+              <a:latin typeface="+mj-lt"/>
+            </a:endParaRPr>
+          </a:p>
+        </p:txBody>
+      </p:sp>
+      <p:sp>
+        <p:nvSpPr>
+          <p:cNvPr id="7" name="Title 1">
+            <a:extLst>
+              <a:ext uri="{FF2B5EF4-FFF2-40B4-BE49-F238E27FC236}">
+                <a16:creationId xmlns:a16="http://schemas.microsoft.com/office/drawing/2014/main" id="{C7DA0C6E-7F34-4EBD-B6B2-9BE0F59100E0}"/>
+              </a:ext>
+            </a:extLst>
+          </p:cNvPr>
+          <p:cNvSpPr>
+            <a:spLocks noGrp="1"/>
+          </p:cNvSpPr>
+          <p:nvPr>
+            <p:ph type="title"/>
+          </p:nvPr>
+        </p:nvSpPr>
+        <p:spPr>
+          <a:xfrm>
+            <a:off x="1907704" y="465583"/>
+            <a:ext cx="8229600" cy="1143000"/>
+          </a:xfrm>
+        </p:spPr>
+        <p:txBody>
+          <a:bodyPr/>
+          <a:lstStyle/>
+          <a:p>
+            <a:r>
+              <a:rPr lang="en-IN" dirty="0" smtClean="0"/>
+              <a:t>Naïve Bayes</a:t>
+            </a:r>
+            <a:endParaRPr lang="en-IN" dirty="0"/>
+          </a:p>
+        </p:txBody>
+      </p:sp>
     </p:spTree>
     <p:extLst>
       <p:ext uri="{BB962C8B-B14F-4D97-AF65-F5344CB8AC3E}">
@@ -7675,7 +8189,7 @@
 </p:sld>
 </file>
 
-<file path=ppt/slides/slide21.xml><?xml version="1.0" encoding="utf-8"?>
+<file path=ppt/slides/slide22.xml><?xml version="1.0" encoding="utf-8"?>
 <p:sld xmlns:a="http://schemas.openxmlformats.org/drawingml/2006/main" xmlns:r="http://schemas.openxmlformats.org/officeDocument/2006/relationships" xmlns:p="http://schemas.openxmlformats.org/presentationml/2006/main">
   <p:cSld>
     <p:spTree>
@@ -7728,8 +8242,16 @@
               <a:rPr lang="en-IN" dirty="0"/>
             </a:br>
             <a:r>
-              <a:rPr lang="en-IN" sz="3600" dirty="0"/>
-              <a:t>Scaling using min max scaler function is also performed and model is made using it.</a:t>
+              <a:rPr lang="en-IN" dirty="0" smtClean="0"/>
+              <a:t> </a:t>
+            </a:r>
+            <a:r>
+              <a:rPr lang="en-IN" dirty="0" err="1" smtClean="0"/>
+              <a:t>AdaBoost</a:t>
+            </a:r>
+            <a:r>
+              <a:rPr lang="en-IN" dirty="0" smtClean="0"/>
+              <a:t> Classifier</a:t>
             </a:r>
             <a:r>
               <a:rPr lang="en-IN" dirty="0"/>
@@ -7758,14 +8280,60 @@
         </p:blipFill>
         <p:spPr>
           <a:xfrm>
-            <a:off x="755576" y="2636912"/>
-            <a:ext cx="4048125" cy="2533650"/>
+            <a:off x="479843" y="1552227"/>
+            <a:ext cx="5460309" cy="3417511"/>
           </a:xfrm>
           <a:prstGeom prst="rect">
             <a:avLst/>
           </a:prstGeom>
         </p:spPr>
       </p:pic>
+      <p:sp>
+        <p:nvSpPr>
+          <p:cNvPr id="4" name="Content Placeholder 2"/>
+          <p:cNvSpPr>
+            <a:spLocks noGrp="1"/>
+          </p:cNvSpPr>
+          <p:nvPr>
+            <p:ph idx="1"/>
+          </p:nvPr>
+        </p:nvSpPr>
+        <p:spPr>
+          <a:xfrm>
+            <a:off x="323528" y="5157192"/>
+            <a:ext cx="8964488" cy="2031504"/>
+          </a:xfrm>
+        </p:spPr>
+        <p:txBody>
+          <a:bodyPr>
+            <a:normAutofit/>
+          </a:bodyPr>
+          <a:lstStyle/>
+          <a:p>
+            <a:r>
+              <a:rPr lang="en-US" sz="1800" dirty="0" smtClean="0">
+                <a:latin typeface="+mj-lt"/>
+              </a:rPr>
+              <a:t> Learning rate of the Random Forest classifier is chosen as important </a:t>
+            </a:r>
+            <a:r>
+              <a:rPr lang="en-US" sz="1800" dirty="0" err="1" smtClean="0">
+                <a:latin typeface="+mj-lt"/>
+              </a:rPr>
+              <a:t>hyperparameter</a:t>
+            </a:r>
+            <a:r>
+              <a:rPr lang="en-US" sz="1800" dirty="0" smtClean="0">
+                <a:latin typeface="+mj-lt"/>
+              </a:rPr>
+              <a:t> and plots of Training and test accuracies are made on the basis of different values of Learning Rate</a:t>
+            </a:r>
+            <a:endParaRPr lang="en-US" sz="1800" dirty="0" smtClean="0">
+              <a:latin typeface="+mj-lt"/>
+            </a:endParaRPr>
+          </a:p>
+        </p:txBody>
+      </p:sp>
     </p:spTree>
     <p:extLst>
       <p:ext uri="{BB962C8B-B14F-4D97-AF65-F5344CB8AC3E}">
@@ -7779,7 +8347,7 @@
 </p:sld>
 </file>
 
-<file path=ppt/slides/slide22.xml><?xml version="1.0" encoding="utf-8"?>
+<file path=ppt/slides/slide23.xml><?xml version="1.0" encoding="utf-8"?>
 <p:sld xmlns:a="http://schemas.openxmlformats.org/drawingml/2006/main" xmlns:r="http://schemas.openxmlformats.org/officeDocument/2006/relationships" xmlns:p="http://schemas.openxmlformats.org/presentationml/2006/main">
   <p:cSld>
     <p:spTree>
@@ -7814,7 +8382,7 @@
         </p:nvSpPr>
         <p:spPr>
           <a:xfrm>
-            <a:off x="313185" y="1505343"/>
+            <a:off x="282562" y="581801"/>
             <a:ext cx="8229600" cy="1143000"/>
           </a:xfrm>
         </p:spPr>
@@ -7824,6 +8392,10 @@
           </a:bodyPr>
           <a:lstStyle/>
           <a:p>
+            <a:r>
+              <a:rPr lang="en-IN" dirty="0" smtClean="0"/>
+              <a:t>Bagging Classifier</a:t>
+            </a:r>
             <a:endParaRPr lang="en-IN" dirty="0"/>
           </a:p>
         </p:txBody>
@@ -7903,14 +8475,84 @@
         </p:blipFill>
         <p:spPr>
           <a:xfrm>
-            <a:off x="454012" y="2780928"/>
-            <a:ext cx="3943350" cy="2419350"/>
+            <a:off x="336314" y="1703840"/>
+            <a:ext cx="5531830" cy="3393925"/>
           </a:xfrm>
           <a:prstGeom prst="rect">
             <a:avLst/>
           </a:prstGeom>
         </p:spPr>
       </p:pic>
+      <p:sp>
+        <p:nvSpPr>
+          <p:cNvPr id="5" name="Content Placeholder 2"/>
+          <p:cNvSpPr>
+            <a:spLocks noGrp="1"/>
+          </p:cNvSpPr>
+          <p:nvPr>
+            <p:ph idx="1"/>
+          </p:nvPr>
+        </p:nvSpPr>
+        <p:spPr>
+          <a:xfrm>
+            <a:off x="179512" y="5204052"/>
+            <a:ext cx="8964488" cy="2031504"/>
+          </a:xfrm>
+        </p:spPr>
+        <p:txBody>
+          <a:bodyPr>
+            <a:normAutofit/>
+          </a:bodyPr>
+          <a:lstStyle/>
+          <a:p>
+            <a:r>
+              <a:rPr lang="en-US" sz="1800" dirty="0">
+                <a:latin typeface="+mj-lt"/>
+              </a:rPr>
+              <a:t> </a:t>
+            </a:r>
+            <a:r>
+              <a:rPr lang="en-US" sz="1800" dirty="0" err="1" smtClean="0">
+                <a:latin typeface="+mj-lt"/>
+              </a:rPr>
+              <a:t>n_estimators</a:t>
+            </a:r>
+            <a:r>
+              <a:rPr lang="en-US" sz="1800" dirty="0" smtClean="0">
+                <a:latin typeface="+mj-lt"/>
+              </a:rPr>
+              <a:t> is chosen as important </a:t>
+            </a:r>
+            <a:r>
+              <a:rPr lang="en-US" sz="1800" dirty="0" err="1" smtClean="0">
+                <a:latin typeface="+mj-lt"/>
+              </a:rPr>
+              <a:t>hyperparameter</a:t>
+            </a:r>
+            <a:r>
+              <a:rPr lang="en-US" sz="1800" dirty="0" smtClean="0">
+                <a:latin typeface="+mj-lt"/>
+              </a:rPr>
+              <a:t> and plots of Training and test accuracies are made on the basis of different values </a:t>
+            </a:r>
+            <a:r>
+              <a:rPr lang="en-US" sz="1800" dirty="0">
+                <a:latin typeface="+mj-lt"/>
+              </a:rPr>
+              <a:t>of </a:t>
+            </a:r>
+            <a:r>
+              <a:rPr lang="en-US" sz="1800" dirty="0" err="1">
+                <a:latin typeface="+mj-lt"/>
+              </a:rPr>
+              <a:t>n_estimators</a:t>
+            </a:r>
+            <a:endParaRPr lang="en-US" sz="1800" dirty="0" smtClean="0">
+              <a:latin typeface="+mj-lt"/>
+            </a:endParaRPr>
+          </a:p>
+        </p:txBody>
+      </p:sp>
     </p:spTree>
     <p:extLst>
       <p:ext uri="{BB962C8B-B14F-4D97-AF65-F5344CB8AC3E}">
@@ -7924,7 +8566,7 @@
 </p:sld>
 </file>
 
-<file path=ppt/slides/slide23.xml><?xml version="1.0" encoding="utf-8"?>
+<file path=ppt/slides/slide24.xml><?xml version="1.0" encoding="utf-8"?>
 <p:sld xmlns:a="http://schemas.openxmlformats.org/drawingml/2006/main" xmlns:r="http://schemas.openxmlformats.org/officeDocument/2006/relationships" xmlns:p="http://schemas.openxmlformats.org/presentationml/2006/main">
   <p:cSld>
     <p:spTree>
@@ -7992,42 +8634,38 @@
           <a:p>
             <a:r>
               <a:rPr lang="en-IN" dirty="0"/>
-              <a:t>Features importance plot using XG boost model. F- score has been compared for four features taken in this model.</a:t>
-            </a:r>
-          </a:p>
-          <a:p>
+              <a:t>Features importance </a:t>
+            </a:r>
+            <a:r>
+              <a:rPr lang="en-IN" dirty="0" smtClean="0"/>
+              <a:t>table</a:t>
+            </a:r>
+            <a:r>
+              <a:rPr lang="en-IN" dirty="0" smtClean="0"/>
+              <a:t> using Random Forest model.</a:t>
+            </a:r>
             <a:endParaRPr lang="en-IN" dirty="0"/>
           </a:p>
         </p:txBody>
       </p:sp>
       <p:pic>
         <p:nvPicPr>
-          <p:cNvPr id="4" name="Picture 3" descr="A screenshot of a cell phone&#10;&#10;Description generated with very high confidence">
-            <a:extLst>
-              <a:ext uri="{FF2B5EF4-FFF2-40B4-BE49-F238E27FC236}">
-                <a16:creationId xmlns:a16="http://schemas.microsoft.com/office/drawing/2014/main" id="{8BF5DCD6-0249-47B9-A738-BD292CCECB6F}"/>
-              </a:ext>
-            </a:extLst>
-          </p:cNvPr>
-          <p:cNvPicPr/>
+          <p:cNvPr id="5" name="Picture 4"/>
+          <p:cNvPicPr>
+            <a:picLocks noChangeAspect="1"/>
+          </p:cNvPicPr>
           <p:nvPr/>
         </p:nvPicPr>
         <p:blipFill>
-          <a:blip r:embed="rId2">
-            <a:extLst>
-              <a:ext uri="{28A0092B-C50C-407E-A947-70E740481C1C}">
-                <a14:useLocalDpi xmlns:a14="http://schemas.microsoft.com/office/drawing/2010/main" val="0"/>
-              </a:ext>
-            </a:extLst>
-          </a:blip>
+          <a:blip r:embed="rId2"/>
           <a:stretch>
             <a:fillRect/>
           </a:stretch>
         </p:blipFill>
         <p:spPr>
           <a:xfrm>
-            <a:off x="1146" y="2886677"/>
-            <a:ext cx="6660232" cy="4248472"/>
+            <a:off x="2267744" y="2492896"/>
+            <a:ext cx="3024336" cy="4178300"/>
           </a:xfrm>
           <a:prstGeom prst="rect">
             <a:avLst/>
@@ -8047,7 +8685,7 @@
 </p:sld>
 </file>
 
-<file path=ppt/slides/slide24.xml><?xml version="1.0" encoding="utf-8"?>
+<file path=ppt/slides/slide25.xml><?xml version="1.0" encoding="utf-8"?>
 <p:sld xmlns:a="http://schemas.openxmlformats.org/drawingml/2006/main" xmlns:r="http://schemas.openxmlformats.org/officeDocument/2006/relationships" xmlns:p="http://schemas.openxmlformats.org/presentationml/2006/main">
   <p:cSld>
     <p:spTree>
@@ -8117,7 +8755,19 @@
           <a:p>
             <a:r>
               <a:rPr lang="en-IN" dirty="0"/>
-              <a:t>Applying Grid search method #Optimization techniques. The method has been applied on KNN Regressor model. The parameters are chosen and are used for further analysis.</a:t>
+              <a:t>Applying Grid search method #Optimization techniques. The method has been applied on </a:t>
+            </a:r>
+            <a:r>
+              <a:rPr lang="en-IN" dirty="0" smtClean="0"/>
+              <a:t>Random Forest </a:t>
+            </a:r>
+            <a:r>
+              <a:rPr lang="en-IN" dirty="0" smtClean="0"/>
+              <a:t>Classifier model</a:t>
+            </a:r>
+            <a:r>
+              <a:rPr lang="en-IN" dirty="0"/>
+              <a:t>. The parameters are chosen and are used for further analysis.</a:t>
             </a:r>
           </a:p>
           <a:p>
@@ -8127,34 +8777,22 @@
       </p:sp>
       <p:pic>
         <p:nvPicPr>
-          <p:cNvPr id="5" name="Picture 4" descr="A screenshot of a cell phone&#10;&#10;Description generated with very high confidence">
-            <a:extLst>
-              <a:ext uri="{FF2B5EF4-FFF2-40B4-BE49-F238E27FC236}">
-                <a16:creationId xmlns:a16="http://schemas.microsoft.com/office/drawing/2014/main" id="{B8E0F02B-5666-412F-84C7-ADF8F5F2429E}"/>
-              </a:ext>
-            </a:extLst>
-          </p:cNvPr>
+          <p:cNvPr id="4" name="Picture 3"/>
           <p:cNvPicPr>
             <a:picLocks noChangeAspect="1"/>
           </p:cNvPicPr>
           <p:nvPr/>
         </p:nvPicPr>
         <p:blipFill>
-          <a:blip r:embed="rId2">
-            <a:extLst>
-              <a:ext uri="{28A0092B-C50C-407E-A947-70E740481C1C}">
-                <a14:useLocalDpi xmlns:a14="http://schemas.microsoft.com/office/drawing/2010/main" val="0"/>
-              </a:ext>
-            </a:extLst>
-          </a:blip>
+          <a:blip r:embed="rId2"/>
           <a:stretch>
             <a:fillRect/>
           </a:stretch>
         </p:blipFill>
         <p:spPr>
           <a:xfrm>
-            <a:off x="683568" y="3867530"/>
-            <a:ext cx="6467475" cy="2514600"/>
+            <a:off x="437875" y="3645024"/>
+            <a:ext cx="8166573" cy="2476500"/>
           </a:xfrm>
           <a:prstGeom prst="rect">
             <a:avLst/>
@@ -8174,7 +8812,7 @@
 </p:sld>
 </file>
 
-<file path=ppt/slides/slide25.xml><?xml version="1.0" encoding="utf-8"?>
+<file path=ppt/slides/slide26.xml><?xml version="1.0" encoding="utf-8"?>
 <p:sld xmlns:a="http://schemas.openxmlformats.org/drawingml/2006/main" xmlns:r="http://schemas.openxmlformats.org/officeDocument/2006/relationships" xmlns:p="http://schemas.openxmlformats.org/presentationml/2006/main">
   <p:cSld>
     <p:spTree>
@@ -8253,30 +8891,26 @@
             <a:pPr lvl="0"/>
             <a:r>
               <a:rPr lang="en-IN" sz="2000" dirty="0"/>
-              <a:t> Root Mean Square error is used. Assumptions of Linear regression are tested for evaluation of model.  </a:t>
+              <a:t> </a:t>
+            </a:r>
+            <a:r>
+              <a:rPr lang="en-IN" sz="2000" dirty="0" smtClean="0"/>
+              <a:t>Accuracy Score is used to check the accuracies of the model</a:t>
+            </a:r>
+            <a:r>
+              <a:rPr lang="en-IN" sz="2000" dirty="0" smtClean="0"/>
+              <a:t>. The values in given data are assumed to be correct and there are no assumptions taken while making classifier models.</a:t>
             </a:r>
           </a:p>
           <a:p>
             <a:pPr lvl="0"/>
             <a:r>
-              <a:rPr lang="en-US" sz="2000" dirty="0"/>
-              <a:t>M</a:t>
-            </a:r>
-            <a:r>
-              <a:rPr lang="en-IN" sz="2000" dirty="0" err="1"/>
-              <a:t>odels</a:t>
-            </a:r>
-            <a:r>
               <a:rPr lang="en-IN" sz="2000" dirty="0"/>
-              <a:t> are </a:t>
-            </a:r>
-            <a:r>
-              <a:rPr lang="en-IN" sz="2000" dirty="0" err="1"/>
-              <a:t>evalueated</a:t>
-            </a:r>
-            <a:r>
-              <a:rPr lang="en-IN" sz="2000" dirty="0"/>
-              <a:t> using K – fold cross validation and residuals plot and optimized using Grid search method.</a:t>
+              <a:t> </a:t>
+            </a:r>
+            <a:r>
+              <a:rPr lang="en-IN" sz="2000" dirty="0" smtClean="0"/>
+              <a:t>AUROC score is used for evaluating other models. and confusion matrix for ANN model.</a:t>
             </a:r>
             <a:endParaRPr lang="en-IN" dirty="0"/>
           </a:p>
@@ -8342,7 +8976,7 @@
 </p:sld>
 </file>
 
-<file path=ppt/slides/slide26.xml><?xml version="1.0" encoding="utf-8"?>
+<file path=ppt/slides/slide27.xml><?xml version="1.0" encoding="utf-8"?>
 <p:sld xmlns:a="http://schemas.openxmlformats.org/drawingml/2006/main" xmlns:r="http://schemas.openxmlformats.org/officeDocument/2006/relationships" xmlns:p="http://schemas.openxmlformats.org/presentationml/2006/main">
   <p:cSld>
     <p:spTree>
@@ -8415,9 +9049,14 @@
           <a:p>
             <a:pPr lvl="0"/>
             <a:r>
-              <a:rPr lang="en-IN" sz="2000" dirty="0"/>
-              <a:t>Forecasting model for medals can be made using Neural Network. </a:t>
-            </a:r>
+              <a:rPr lang="en-IN" sz="2000" dirty="0" smtClean="0"/>
+              <a:t>The data can be cleaned further to improve accuracy of predictions.</a:t>
+            </a:r>
+            <a:r>
+              <a:rPr lang="en-IN" sz="2000" dirty="0" smtClean="0"/>
+              <a:t> </a:t>
+            </a:r>
+            <a:endParaRPr lang="en-IN" sz="2000" dirty="0"/>
           </a:p>
           <a:p>
             <a:pPr lvl="0"/>
@@ -8430,15 +9069,31 @@
             <a:pPr lvl="0"/>
             <a:r>
               <a:rPr lang="en-IN" sz="2000" dirty="0"/>
-              <a:t> The data for more countries can be taken to make model more robust.</a:t>
-            </a:r>
-          </a:p>
-          <a:p>
-            <a:pPr lvl="0"/>
+              <a:t> </a:t>
+            </a:r>
+            <a:r>
+              <a:rPr lang="en-IN" sz="2000" dirty="0" err="1" smtClean="0"/>
+              <a:t>Tensorflow</a:t>
+            </a:r>
+            <a:r>
+              <a:rPr lang="en-IN" sz="2000" dirty="0" smtClean="0"/>
+              <a:t> can also be used for making MLP model for the data</a:t>
+            </a:r>
             <a:r>
               <a:rPr lang="en-IN" sz="2000" dirty="0"/>
               <a:t> </a:t>
             </a:r>
+            <a:r>
+              <a:rPr lang="en-IN" sz="2000" dirty="0" smtClean="0"/>
+              <a:t>to improve accuracy and features importance</a:t>
+            </a:r>
+            <a:endParaRPr lang="en-IN" sz="2000" dirty="0"/>
+          </a:p>
+          <a:p>
+            <a:pPr marL="0" lvl="0" indent="0">
+              <a:buNone/>
+            </a:pPr>
+            <a:endParaRPr lang="en-IN" sz="2000" dirty="0"/>
           </a:p>
           <a:p>
             <a:endParaRPr lang="en-IN" dirty="0"/>
@@ -8505,7 +9160,7 @@
 </p:sld>
 </file>
 
-<file path=ppt/slides/slide27.xml><?xml version="1.0" encoding="utf-8"?>
+<file path=ppt/slides/slide28.xml><?xml version="1.0" encoding="utf-8"?>
 <p:sld xmlns:a="http://schemas.openxmlformats.org/drawingml/2006/main" xmlns:r="http://schemas.openxmlformats.org/officeDocument/2006/relationships" xmlns:p="http://schemas.openxmlformats.org/presentationml/2006/main">
   <p:cSld>
     <p:spTree>
@@ -8591,46 +9246,28 @@
           <a:p>
             <a:r>
               <a:rPr lang="en-US" sz="2000" dirty="0"/>
-              <a:t>The data was collected for only 5 years from 2000 to 2016.</a:t>
-            </a:r>
-          </a:p>
-          <a:p>
+              <a:t>The </a:t>
+            </a:r>
+            <a:r>
+              <a:rPr lang="en-US" sz="2000" dirty="0" smtClean="0"/>
+              <a:t>model was made only for 2 years.</a:t>
+            </a:r>
+            <a:endParaRPr lang="en-US" sz="2000" dirty="0"/>
+          </a:p>
+          <a:p>
+            <a:r>
+              <a:rPr lang="en-US" sz="2000" dirty="0" smtClean="0"/>
+              <a:t> </a:t>
+            </a:r>
             <a:r>
               <a:rPr lang="en-US" sz="2000" dirty="0"/>
-              <a:t>The data used for regression was small and the sample contains only 20 countries data.</a:t>
-            </a:r>
-          </a:p>
-          <a:p>
-            <a:r>
-              <a:rPr lang="en-US" sz="2000" dirty="0"/>
-              <a:t>Not able to collect data related to Sports </a:t>
-            </a:r>
-            <a:r>
-              <a:rPr lang="en-US" sz="2000" dirty="0" err="1"/>
-              <a:t>centres</a:t>
-            </a:r>
-            <a:r>
-              <a:rPr lang="en-US" sz="2000" dirty="0"/>
-              <a:t>, sports funding for countries. </a:t>
-            </a:r>
-          </a:p>
-          <a:p>
-            <a:r>
-              <a:rPr lang="en-US" sz="2000" dirty="0"/>
-              <a:t> The test data for year 2020 was not available for all fields. So, data for 2018 year is considered.</a:t>
-            </a:r>
-          </a:p>
-          <a:p>
-            <a:r>
-              <a:rPr lang="en-US" sz="2000" dirty="0"/>
-              <a:t> The features in dataset are not normal. </a:t>
-            </a:r>
-          </a:p>
-          <a:p>
-            <a:r>
-              <a:rPr lang="en-US" sz="2000" dirty="0"/>
-              <a:t>Assumptions of Multiple Regression are used in modelling  </a:t>
-            </a:r>
+              <a:t>The features in dataset are not normal</a:t>
+            </a:r>
+            <a:r>
+              <a:rPr lang="en-US" sz="2000" dirty="0" smtClean="0"/>
+              <a:t>.</a:t>
+            </a:r>
+            <a:endParaRPr lang="en-US" sz="2000" dirty="0"/>
           </a:p>
         </p:txBody>
       </p:sp>
@@ -8694,7 +9331,7 @@
 </p:sld>
 </file>
 
-<file path=ppt/slides/slide28.xml><?xml version="1.0" encoding="utf-8"?>
+<file path=ppt/slides/slide29.xml><?xml version="1.0" encoding="utf-8"?>
 <p:sld xmlns:a="http://schemas.openxmlformats.org/drawingml/2006/main" xmlns:r="http://schemas.openxmlformats.org/officeDocument/2006/relationships" xmlns:p="http://schemas.openxmlformats.org/presentationml/2006/main">
   <p:cSld>
     <p:spTree>
@@ -8949,14 +9586,13 @@
           <a:p>
             <a:r>
               <a:rPr lang="en-IN" dirty="0"/>
-              <a:t>Data Preparation</a:t>
-            </a:r>
-          </a:p>
-          <a:p>
-            <a:r>
-              <a:rPr lang="en-IN" dirty="0"/>
-              <a:t>Data Understanding</a:t>
-            </a:r>
+              <a:t>Data </a:t>
+            </a:r>
+            <a:r>
+              <a:rPr lang="en-IN" dirty="0" smtClean="0"/>
+              <a:t>Preparation</a:t>
+            </a:r>
+            <a:endParaRPr lang="en-IN" dirty="0"/>
           </a:p>
           <a:p>
             <a:r>
@@ -9684,121 +10320,6 @@
                       </p:childTnLst>
                     </p:cTn>
                   </p:par>
-                  <p:par>
-                    <p:cTn id="38" fill="hold">
-                      <p:stCondLst>
-                        <p:cond delay="indefinite"/>
-                      </p:stCondLst>
-                      <p:childTnLst>
-                        <p:par>
-                          <p:cTn id="39" fill="hold">
-                            <p:stCondLst>
-                              <p:cond delay="0"/>
-                            </p:stCondLst>
-                            <p:childTnLst>
-                              <p:par>
-                                <p:cTn id="40" presetID="42" presetClass="entr" presetSubtype="0" fill="hold" grpId="0" nodeType="clickEffect">
-                                  <p:stCondLst>
-                                    <p:cond delay="0"/>
-                                  </p:stCondLst>
-                                  <p:childTnLst>
-                                    <p:set>
-                                      <p:cBhvr>
-                                        <p:cTn id="41" dur="1" fill="hold">
-                                          <p:stCondLst>
-                                            <p:cond delay="0"/>
-                                          </p:stCondLst>
-                                        </p:cTn>
-                                        <p:tgtEl>
-                                          <p:spTgt spid="3">
-                                            <p:txEl>
-                                              <p:pRg st="5" end="5"/>
-                                            </p:txEl>
-                                          </p:spTgt>
-                                        </p:tgtEl>
-                                        <p:attrNameLst>
-                                          <p:attrName>style.visibility</p:attrName>
-                                        </p:attrNameLst>
-                                      </p:cBhvr>
-                                      <p:to>
-                                        <p:strVal val="visible"/>
-                                      </p:to>
-                                    </p:set>
-                                    <p:animEffect transition="in" filter="fade">
-                                      <p:cBhvr>
-                                        <p:cTn id="42" dur="1000"/>
-                                        <p:tgtEl>
-                                          <p:spTgt spid="3">
-                                            <p:txEl>
-                                              <p:pRg st="5" end="5"/>
-                                            </p:txEl>
-                                          </p:spTgt>
-                                        </p:tgtEl>
-                                      </p:cBhvr>
-                                    </p:animEffect>
-                                    <p:anim calcmode="lin" valueType="num">
-                                      <p:cBhvr>
-                                        <p:cTn id="43" dur="1000" fill="hold"/>
-                                        <p:tgtEl>
-                                          <p:spTgt spid="3">
-                                            <p:txEl>
-                                              <p:pRg st="5" end="5"/>
-                                            </p:txEl>
-                                          </p:spTgt>
-                                        </p:tgtEl>
-                                        <p:attrNameLst>
-                                          <p:attrName>ppt_x</p:attrName>
-                                        </p:attrNameLst>
-                                      </p:cBhvr>
-                                      <p:tavLst>
-                                        <p:tav tm="0">
-                                          <p:val>
-                                            <p:strVal val="#ppt_x"/>
-                                          </p:val>
-                                        </p:tav>
-                                        <p:tav tm="100000">
-                                          <p:val>
-                                            <p:strVal val="#ppt_x"/>
-                                          </p:val>
-                                        </p:tav>
-                                      </p:tavLst>
-                                    </p:anim>
-                                    <p:anim calcmode="lin" valueType="num">
-                                      <p:cBhvr>
-                                        <p:cTn id="44" dur="1000" fill="hold"/>
-                                        <p:tgtEl>
-                                          <p:spTgt spid="3">
-                                            <p:txEl>
-                                              <p:pRg st="5" end="5"/>
-                                            </p:txEl>
-                                          </p:spTgt>
-                                        </p:tgtEl>
-                                        <p:attrNameLst>
-                                          <p:attrName>ppt_y</p:attrName>
-                                        </p:attrNameLst>
-                                      </p:cBhvr>
-                                      <p:tavLst>
-                                        <p:tav tm="0">
-                                          <p:val>
-                                            <p:strVal val="#ppt_y+.1"/>
-                                          </p:val>
-                                        </p:tav>
-                                        <p:tav tm="100000">
-                                          <p:val>
-                                            <p:strVal val="#ppt_y"/>
-                                          </p:val>
-                                        </p:tav>
-                                      </p:tavLst>
-                                    </p:anim>
-                                  </p:childTnLst>
-                                </p:cTn>
-                              </p:par>
-                            </p:childTnLst>
-                          </p:cTn>
-                        </p:par>
-                      </p:childTnLst>
-                    </p:cTn>
-                  </p:par>
                 </p:childTnLst>
               </p:cTn>
               <p:prevCondLst>
@@ -9904,7 +10425,7 @@
         </p:spPr>
         <p:txBody>
           <a:bodyPr>
-            <a:normAutofit fontScale="92500"/>
+            <a:normAutofit fontScale="92500" lnSpcReduction="10000"/>
           </a:bodyPr>
           <a:lstStyle/>
           <a:p>
@@ -9941,7 +10462,7 @@
             </a:r>
             <a:r>
               <a:rPr lang="en-IN" sz="2800" dirty="0" smtClean="0"/>
-              <a:t>ADASYN technique is applied to balance the classes and </a:t>
+              <a:t>SMOTE technique is applied to balance the classes and </a:t>
             </a:r>
             <a:r>
               <a:rPr lang="en-IN" sz="2800" dirty="0" err="1" smtClean="0"/>
@@ -9985,7 +10506,7 @@
             <a:pPr lvl="0"/>
             <a:r>
               <a:rPr lang="en-IN" sz="2800" dirty="0" smtClean="0"/>
-              <a:t> AUROC is 97% and F1 score is also 97%.</a:t>
+              <a:t> AUROC AND F1 scores are computed for all the models and compared.</a:t>
             </a:r>
           </a:p>
           <a:p>
@@ -10117,9 +10638,9 @@
         <p:grpSpPr>
           <a:xfrm>
             <a:off x="323527" y="1932241"/>
-            <a:ext cx="2527263" cy="1534979"/>
+            <a:ext cx="2527263" cy="1350313"/>
             <a:chOff x="2551704" y="4283314"/>
-            <a:chExt cx="926898" cy="1270544"/>
+            <a:chExt cx="926898" cy="1117691"/>
           </a:xfrm>
           <a:solidFill>
             <a:schemeClr val="accent3">
@@ -10143,7 +10664,7 @@
           <p:spPr>
             <a:xfrm>
               <a:off x="2551705" y="4560313"/>
-              <a:ext cx="926897" cy="993545"/>
+              <a:ext cx="926897" cy="840692"/>
             </a:xfrm>
             <a:prstGeom prst="rect">
               <a:avLst/>
@@ -10162,7 +10683,15 @@
             <a:p>
               <a:r>
                 <a:rPr lang="en-IN" sz="1200" b="1" dirty="0" smtClean="0"/>
-                <a:t>The  data was cleaned and missing data is imputed. The data was imbalanced. So, minority samples were balanced using SMOTE and ADASYN techniques.</a:t>
+                <a:t>The  data was cleaned and missing data is imputed. The data was imbalanced. So, minority samples were balanced using SMOTE </a:t>
+              </a:r>
+              <a:r>
+                <a:rPr lang="en-IN" sz="1200" b="1" dirty="0" smtClean="0"/>
+                <a:t>techniques</a:t>
+              </a:r>
+              <a:r>
+                <a:rPr lang="en-IN" sz="1200" b="1" dirty="0" smtClean="0"/>
+                <a:t>.</a:t>
               </a:r>
               <a:endParaRPr lang="en-IN" sz="1200" b="1" dirty="0"/>
             </a:p>
@@ -11206,22 +11735,35 @@
           </a:bodyPr>
           <a:lstStyle/>
           <a:p>
-            <a:r>
-              <a:rPr lang="en-IN" sz="2400" dirty="0"/>
+            <a:pPr lvl="0"/>
+            <a:r>
+              <a:rPr lang="en-IN" dirty="0"/>
               <a:t>Predicting the Bankruptcy rate of companies in 1 , 2, 3 , 4 , 5 years. There are 64 features and one target  variable. </a:t>
             </a:r>
             <a:r>
-              <a:rPr lang="en-US" sz="2400" dirty="0"/>
+              <a:rPr lang="en-US" dirty="0"/>
               <a:t>To understand and </a:t>
             </a:r>
             <a:r>
-              <a:rPr lang="en-US" sz="2400" dirty="0" err="1"/>
+              <a:rPr lang="en-US" dirty="0" err="1"/>
               <a:t>analyse</a:t>
             </a:r>
             <a:r>
-              <a:rPr lang="en-US" sz="2400" dirty="0"/>
+              <a:rPr lang="en-US" dirty="0"/>
               <a:t> each of the 64 attributes along with 10,503 examples given and build a predictive model for bankruptcy rate of a given company. </a:t>
             </a:r>
+          </a:p>
+          <a:p>
+            <a:pPr lvl="0"/>
+            <a:r>
+              <a:rPr lang="en-US" dirty="0"/>
+              <a:t>To find the factors responsible for Bankruptcy.</a:t>
+            </a:r>
+          </a:p>
+          <a:p>
+            <a:pPr marL="0" indent="0">
+              <a:buNone/>
+            </a:pPr>
             <a:endParaRPr lang="en-IN" sz="2400" dirty="0"/>
           </a:p>
         </p:txBody>
@@ -11515,18 +12057,448 @@
         </p:nvSpPr>
         <p:spPr>
           <a:xfrm>
-            <a:off x="457200" y="80378"/>
-            <a:ext cx="8229600" cy="1143000"/>
+            <a:off x="459512" y="620688"/>
+            <a:ext cx="8229600" cy="710952"/>
           </a:xfrm>
         </p:spPr>
         <p:txBody>
-          <a:bodyPr/>
+          <a:bodyPr>
+            <a:normAutofit fontScale="90000"/>
+          </a:bodyPr>
           <a:lstStyle/>
           <a:p>
             <a:r>
-              <a:rPr lang="en-IN" dirty="0"/>
-              <a:t>Motivation For Study</a:t>
-            </a:r>
+              <a:rPr lang="en-IN" sz="5400" dirty="0"/>
+              <a:t/>
+            </a:r>
+            <a:br>
+              <a:rPr lang="en-IN" sz="5400" dirty="0"/>
+            </a:br>
+            <a:r>
+              <a:rPr lang="en-IN" sz="5400" dirty="0"/>
+              <a:t/>
+            </a:r>
+            <a:br>
+              <a:rPr lang="en-IN" sz="5400" dirty="0"/>
+            </a:br>
+            <a:r>
+              <a:rPr lang="en-IN" sz="5400" dirty="0"/>
+              <a:t/>
+            </a:r>
+            <a:br>
+              <a:rPr lang="en-IN" sz="5400" dirty="0"/>
+            </a:br>
+            <a:r>
+              <a:rPr lang="en-IN" sz="5400" dirty="0"/>
+              <a:t/>
+            </a:r>
+            <a:br>
+              <a:rPr lang="en-IN" sz="5400" dirty="0"/>
+            </a:br>
+            <a:r>
+              <a:rPr lang="en-IN" sz="5400" dirty="0"/>
+              <a:t/>
+            </a:r>
+            <a:br>
+              <a:rPr lang="en-IN" sz="5400" dirty="0"/>
+            </a:br>
+            <a:r>
+              <a:rPr lang="en-IN" sz="5400" dirty="0"/>
+              <a:t/>
+            </a:r>
+            <a:br>
+              <a:rPr lang="en-IN" sz="5400" dirty="0"/>
+            </a:br>
+            <a:r>
+              <a:rPr lang="en-IN" sz="5400" dirty="0"/>
+              <a:t/>
+            </a:r>
+            <a:br>
+              <a:rPr lang="en-IN" sz="5400" dirty="0"/>
+            </a:br>
+            <a:r>
+              <a:rPr lang="en-IN" sz="5400" dirty="0"/>
+              <a:t/>
+            </a:r>
+            <a:br>
+              <a:rPr lang="en-IN" sz="5400" dirty="0"/>
+            </a:br>
+            <a:r>
+              <a:rPr lang="en-IN" sz="5400" dirty="0"/>
+              <a:t/>
+            </a:r>
+            <a:br>
+              <a:rPr lang="en-IN" sz="5400" dirty="0"/>
+            </a:br>
+            <a:r>
+              <a:rPr lang="en-IN" sz="5400" dirty="0"/>
+              <a:t/>
+            </a:r>
+            <a:br>
+              <a:rPr lang="en-IN" sz="5400" dirty="0"/>
+            </a:br>
+            <a:r>
+              <a:rPr lang="en-IN" sz="5400" dirty="0"/>
+              <a:t/>
+            </a:r>
+            <a:br>
+              <a:rPr lang="en-IN" sz="5400" dirty="0"/>
+            </a:br>
+            <a:r>
+              <a:rPr lang="en-IN" sz="5400" dirty="0"/>
+              <a:t/>
+            </a:r>
+            <a:br>
+              <a:rPr lang="en-IN" sz="5400" dirty="0"/>
+            </a:br>
+            <a:r>
+              <a:rPr lang="en-IN" sz="5400" dirty="0"/>
+              <a:t/>
+            </a:r>
+            <a:br>
+              <a:rPr lang="en-IN" sz="5400" dirty="0"/>
+            </a:br>
+            <a:r>
+              <a:rPr lang="en-IN" sz="5400" dirty="0"/>
+              <a:t/>
+            </a:r>
+            <a:br>
+              <a:rPr lang="en-IN" sz="5400" dirty="0"/>
+            </a:br>
+            <a:r>
+              <a:rPr lang="en-IN" sz="5400" dirty="0"/>
+              <a:t/>
+            </a:r>
+            <a:br>
+              <a:rPr lang="en-IN" sz="5400" dirty="0"/>
+            </a:br>
+            <a:r>
+              <a:rPr lang="en-IN" sz="5400" dirty="0"/>
+              <a:t/>
+            </a:r>
+            <a:br>
+              <a:rPr lang="en-IN" sz="5400" dirty="0"/>
+            </a:br>
+            <a:r>
+              <a:rPr lang="en-IN" sz="5400" dirty="0"/>
+              <a:t/>
+            </a:r>
+            <a:br>
+              <a:rPr lang="en-IN" sz="5400" dirty="0"/>
+            </a:br>
+            <a:r>
+              <a:rPr lang="en-IN" sz="5400" dirty="0"/>
+              <a:t/>
+            </a:r>
+            <a:br>
+              <a:rPr lang="en-IN" sz="5400" dirty="0"/>
+            </a:br>
+            <a:r>
+              <a:rPr lang="en-IN" sz="5400" dirty="0"/>
+              <a:t/>
+            </a:r>
+            <a:br>
+              <a:rPr lang="en-IN" sz="5400" dirty="0"/>
+            </a:br>
+            <a:r>
+              <a:rPr lang="en-IN" sz="5400" dirty="0"/>
+              <a:t/>
+            </a:r>
+            <a:br>
+              <a:rPr lang="en-IN" sz="5400" dirty="0"/>
+            </a:br>
+            <a:r>
+              <a:rPr lang="en-IN" sz="5400" dirty="0"/>
+              <a:t/>
+            </a:r>
+            <a:br>
+              <a:rPr lang="en-IN" sz="5400" dirty="0"/>
+            </a:br>
+            <a:r>
+              <a:rPr lang="en-IN" sz="5400" dirty="0"/>
+              <a:t/>
+            </a:r>
+            <a:br>
+              <a:rPr lang="en-IN" sz="5400" dirty="0"/>
+            </a:br>
+            <a:r>
+              <a:rPr lang="en-IN" sz="5400" dirty="0"/>
+              <a:t/>
+            </a:r>
+            <a:br>
+              <a:rPr lang="en-IN" sz="5400" dirty="0"/>
+            </a:br>
+            <a:r>
+              <a:rPr lang="en-IN" sz="5400" dirty="0"/>
+              <a:t/>
+            </a:r>
+            <a:br>
+              <a:rPr lang="en-IN" sz="5400" dirty="0"/>
+            </a:br>
+            <a:r>
+              <a:rPr lang="en-IN" sz="5400" dirty="0"/>
+              <a:t/>
+            </a:r>
+            <a:br>
+              <a:rPr lang="en-IN" sz="5400" dirty="0"/>
+            </a:br>
+            <a:r>
+              <a:rPr lang="en-IN" sz="5400" dirty="0"/>
+              <a:t/>
+            </a:r>
+            <a:br>
+              <a:rPr lang="en-IN" sz="5400" dirty="0"/>
+            </a:br>
+            <a:r>
+              <a:rPr lang="en-IN" sz="5400" dirty="0"/>
+              <a:t/>
+            </a:r>
+            <a:br>
+              <a:rPr lang="en-IN" sz="5400" dirty="0"/>
+            </a:br>
+            <a:r>
+              <a:rPr lang="en-IN" sz="5400" dirty="0"/>
+              <a:t/>
+            </a:r>
+            <a:br>
+              <a:rPr lang="en-IN" sz="5400" dirty="0"/>
+            </a:br>
+            <a:r>
+              <a:rPr lang="en-IN" sz="5400" dirty="0"/>
+              <a:t/>
+            </a:r>
+            <a:br>
+              <a:rPr lang="en-IN" sz="5400" dirty="0"/>
+            </a:br>
+            <a:r>
+              <a:rPr lang="en-IN" sz="5400" dirty="0"/>
+              <a:t/>
+            </a:r>
+            <a:br>
+              <a:rPr lang="en-IN" sz="5400" dirty="0"/>
+            </a:br>
+            <a:r>
+              <a:rPr lang="en-IN" sz="5400" dirty="0"/>
+              <a:t/>
+            </a:r>
+            <a:br>
+              <a:rPr lang="en-IN" sz="5400" dirty="0"/>
+            </a:br>
+            <a:r>
+              <a:rPr lang="en-IN" sz="5400" dirty="0"/>
+              <a:t/>
+            </a:r>
+            <a:br>
+              <a:rPr lang="en-IN" sz="5400" dirty="0"/>
+            </a:br>
+            <a:r>
+              <a:rPr lang="en-IN" sz="5400" dirty="0"/>
+              <a:t/>
+            </a:r>
+            <a:br>
+              <a:rPr lang="en-IN" sz="5400" dirty="0"/>
+            </a:br>
+            <a:r>
+              <a:rPr lang="en-IN" sz="5400" dirty="0"/>
+              <a:t/>
+            </a:r>
+            <a:br>
+              <a:rPr lang="en-IN" sz="5400" dirty="0"/>
+            </a:br>
+            <a:r>
+              <a:rPr lang="en-IN" sz="5400" dirty="0"/>
+              <a:t/>
+            </a:r>
+            <a:br>
+              <a:rPr lang="en-IN" sz="5400" dirty="0"/>
+            </a:br>
+            <a:r>
+              <a:rPr lang="en-IN" sz="5400" dirty="0"/>
+              <a:t/>
+            </a:r>
+            <a:br>
+              <a:rPr lang="en-IN" sz="5400" dirty="0"/>
+            </a:br>
+            <a:r>
+              <a:rPr lang="en-IN" sz="5400" dirty="0"/>
+              <a:t/>
+            </a:r>
+            <a:br>
+              <a:rPr lang="en-IN" sz="5400" dirty="0"/>
+            </a:br>
+            <a:r>
+              <a:rPr lang="en-IN" sz="5400" dirty="0"/>
+              <a:t/>
+            </a:r>
+            <a:br>
+              <a:rPr lang="en-IN" sz="5400" dirty="0"/>
+            </a:br>
+            <a:r>
+              <a:rPr lang="en-IN" sz="5400" dirty="0"/>
+              <a:t/>
+            </a:r>
+            <a:br>
+              <a:rPr lang="en-IN" sz="5400" dirty="0"/>
+            </a:br>
+            <a:r>
+              <a:rPr lang="en-IN" sz="5400" dirty="0"/>
+              <a:t/>
+            </a:r>
+            <a:br>
+              <a:rPr lang="en-IN" sz="5400" dirty="0"/>
+            </a:br>
+            <a:r>
+              <a:rPr lang="en-IN" sz="5400" dirty="0"/>
+              <a:t/>
+            </a:r>
+            <a:br>
+              <a:rPr lang="en-IN" sz="5400" dirty="0"/>
+            </a:br>
+            <a:r>
+              <a:rPr lang="en-IN" sz="5400" dirty="0"/>
+              <a:t/>
+            </a:r>
+            <a:br>
+              <a:rPr lang="en-IN" sz="5400" dirty="0"/>
+            </a:br>
+            <a:r>
+              <a:rPr lang="en-IN" sz="5400" dirty="0"/>
+              <a:t/>
+            </a:r>
+            <a:br>
+              <a:rPr lang="en-IN" sz="5400" dirty="0"/>
+            </a:br>
+            <a:r>
+              <a:rPr lang="en-IN" sz="5400" dirty="0"/>
+              <a:t/>
+            </a:r>
+            <a:br>
+              <a:rPr lang="en-IN" sz="5400" dirty="0"/>
+            </a:br>
+            <a:r>
+              <a:rPr lang="en-IN" sz="5400" dirty="0"/>
+              <a:t/>
+            </a:r>
+            <a:br>
+              <a:rPr lang="en-IN" sz="5400" dirty="0"/>
+            </a:br>
+            <a:r>
+              <a:rPr lang="en-IN" sz="5400" dirty="0"/>
+              <a:t/>
+            </a:r>
+            <a:br>
+              <a:rPr lang="en-IN" sz="5400" dirty="0"/>
+            </a:br>
+            <a:r>
+              <a:rPr lang="en-IN" sz="5400" dirty="0"/>
+              <a:t/>
+            </a:r>
+            <a:br>
+              <a:rPr lang="en-IN" sz="5400" dirty="0"/>
+            </a:br>
+            <a:r>
+              <a:rPr lang="en-IN" sz="5400" dirty="0"/>
+              <a:t/>
+            </a:r>
+            <a:br>
+              <a:rPr lang="en-IN" sz="5400" dirty="0"/>
+            </a:br>
+            <a:r>
+              <a:rPr lang="en-IN" sz="5400" dirty="0"/>
+              <a:t/>
+            </a:r>
+            <a:br>
+              <a:rPr lang="en-IN" sz="5400" dirty="0"/>
+            </a:br>
+            <a:r>
+              <a:rPr lang="en-IN" sz="5400" dirty="0"/>
+              <a:t/>
+            </a:r>
+            <a:br>
+              <a:rPr lang="en-IN" sz="5400" dirty="0"/>
+            </a:br>
+            <a:r>
+              <a:rPr lang="en-IN" sz="5400" dirty="0"/>
+              <a:t/>
+            </a:r>
+            <a:br>
+              <a:rPr lang="en-IN" sz="5400" dirty="0"/>
+            </a:br>
+            <a:r>
+              <a:rPr lang="en-IN" sz="5400" dirty="0"/>
+              <a:t/>
+            </a:r>
+            <a:br>
+              <a:rPr lang="en-IN" sz="5400" dirty="0"/>
+            </a:br>
+            <a:r>
+              <a:rPr lang="en-IN" sz="5400" dirty="0"/>
+              <a:t/>
+            </a:r>
+            <a:br>
+              <a:rPr lang="en-IN" sz="5400" dirty="0"/>
+            </a:br>
+            <a:r>
+              <a:rPr lang="en-IN" sz="5400" dirty="0"/>
+              <a:t/>
+            </a:r>
+            <a:br>
+              <a:rPr lang="en-IN" sz="5400" dirty="0"/>
+            </a:br>
+            <a:r>
+              <a:rPr lang="en-IN" sz="5400" dirty="0"/>
+              <a:t/>
+            </a:r>
+            <a:br>
+              <a:rPr lang="en-IN" sz="5400" dirty="0"/>
+            </a:br>
+            <a:r>
+              <a:rPr lang="en-IN" sz="5400" dirty="0"/>
+              <a:t/>
+            </a:r>
+            <a:br>
+              <a:rPr lang="en-IN" sz="5400" dirty="0"/>
+            </a:br>
+            <a:r>
+              <a:rPr lang="en-IN" sz="5400" dirty="0"/>
+              <a:t/>
+            </a:r>
+            <a:br>
+              <a:rPr lang="en-IN" sz="5400" dirty="0"/>
+            </a:br>
+            <a:r>
+              <a:rPr lang="en-IN" sz="5400" dirty="0"/>
+              <a:t/>
+            </a:r>
+            <a:br>
+              <a:rPr lang="en-IN" sz="5400" dirty="0"/>
+            </a:br>
+            <a:r>
+              <a:rPr lang="en-IN" sz="5400" dirty="0"/>
+              <a:t/>
+            </a:r>
+            <a:br>
+              <a:rPr lang="en-IN" sz="5400" dirty="0"/>
+            </a:br>
+            <a:r>
+              <a:rPr lang="en-IN" sz="5400" dirty="0"/>
+              <a:t/>
+            </a:r>
+            <a:br>
+              <a:rPr lang="en-IN" sz="5400" dirty="0"/>
+            </a:br>
+            <a:r>
+              <a:rPr lang="en-IN" sz="5400" dirty="0"/>
+              <a:t/>
+            </a:r>
+            <a:br>
+              <a:rPr lang="en-IN" sz="5400" dirty="0"/>
+            </a:br>
+            <a:r>
+              <a:rPr lang="en-IN" sz="4800" dirty="0"/>
+              <a:t>Analytic Approach</a:t>
+            </a:r>
+            <a:endParaRPr lang="en-IN" dirty="0"/>
           </a:p>
         </p:txBody>
       </p:sp>
@@ -11542,88 +12514,333 @@
         </p:nvSpPr>
         <p:spPr>
           <a:xfrm>
-            <a:off x="457200" y="1303755"/>
-            <a:ext cx="8229600" cy="4519443"/>
+            <a:off x="459512" y="1556792"/>
+            <a:ext cx="8229600" cy="4389120"/>
           </a:xfrm>
         </p:spPr>
         <p:txBody>
           <a:bodyPr>
-            <a:normAutofit/>
+            <a:normAutofit fontScale="25000" lnSpcReduction="20000"/>
           </a:bodyPr>
           <a:lstStyle/>
-          <a:p>
-            <a:r>
-              <a:rPr lang="en-IN" sz="2000" dirty="0"/>
-              <a:t> </a:t>
-            </a:r>
-            <a:r>
-              <a:rPr lang="en-IN" sz="2000" dirty="0" err="1" smtClean="0"/>
-              <a:t>Startup</a:t>
-            </a:r>
-            <a:r>
-              <a:rPr lang="en-IN" sz="2000" dirty="0" smtClean="0"/>
-              <a:t> frequency</a:t>
-            </a:r>
-          </a:p>
-          <a:p>
-            <a:r>
-              <a:rPr lang="en-IN" sz="2000" dirty="0"/>
-              <a:t> </a:t>
-            </a:r>
-            <a:r>
-              <a:rPr lang="en-IN" sz="2000" dirty="0" smtClean="0"/>
-              <a:t>Bankrupt companies rate in </a:t>
-            </a:r>
-            <a:r>
-              <a:rPr lang="en-IN" sz="2000" dirty="0" err="1" smtClean="0"/>
-              <a:t>india</a:t>
-            </a:r>
-            <a:endParaRPr lang="en-IN" sz="2000" dirty="0" smtClean="0"/>
-          </a:p>
-          <a:p>
-            <a:r>
-              <a:rPr lang="en-IN" sz="2000" dirty="0"/>
-              <a:t> Bankrupt companies rate in </a:t>
-            </a:r>
-            <a:r>
-              <a:rPr lang="en-IN" sz="2000" dirty="0" err="1"/>
-              <a:t>india</a:t>
-            </a:r>
-            <a:endParaRPr lang="en-IN" sz="2000" dirty="0"/>
-          </a:p>
-          <a:p>
-            <a:r>
-              <a:rPr lang="en-IN" sz="2000" dirty="0"/>
-              <a:t>Bankrupt companies rate in </a:t>
-            </a:r>
-            <a:r>
-              <a:rPr lang="en-IN" sz="2000" dirty="0" err="1" smtClean="0"/>
-              <a:t>india</a:t>
-            </a:r>
-            <a:r>
-              <a:rPr lang="en-IN" sz="2000" dirty="0" smtClean="0"/>
-              <a:t> </a:t>
-            </a:r>
-          </a:p>
-          <a:p>
-            <a:r>
-              <a:rPr lang="en-IN" sz="2000" dirty="0" smtClean="0"/>
-              <a:t> Market conditions</a:t>
-            </a:r>
-            <a:endParaRPr lang="en-IN" sz="2000" dirty="0"/>
-          </a:p>
           <a:p>
             <a:pPr marL="0" indent="0">
               <a:buNone/>
             </a:pPr>
+            <a:endParaRPr lang="en-IN" sz="3200" dirty="0"/>
+          </a:p>
+          <a:p>
+            <a:r>
+              <a:rPr lang="en-IN" sz="8000" dirty="0"/>
+              <a:t> </a:t>
+            </a:r>
+            <a:r>
+              <a:rPr lang="en-IN" sz="8000" b="1" dirty="0"/>
+              <a:t>The  data was cleaned and missing data is imputed. The data was imbalanced. So, minority samples were balanced using SMOTE and ADASYN techniques.</a:t>
+            </a:r>
+          </a:p>
+          <a:p>
+            <a:r>
+              <a:rPr lang="en-IN" sz="8000" dirty="0" smtClean="0"/>
+              <a:t> </a:t>
+            </a:r>
+            <a:r>
+              <a:rPr lang="en-IN" sz="8000" b="1" dirty="0"/>
+              <a:t>The Dataset was analysed using correlation </a:t>
+            </a:r>
+            <a:r>
+              <a:rPr lang="en-IN" sz="8000" b="1" dirty="0" err="1"/>
+              <a:t>heatmaps</a:t>
+            </a:r>
+            <a:r>
+              <a:rPr lang="en-IN" sz="8000" b="1" dirty="0"/>
+              <a:t>. And, the correlated features are removed form data.  Business context was used to define the features. </a:t>
+            </a:r>
+          </a:p>
+          <a:p>
+            <a:r>
+              <a:rPr lang="en-IN" sz="8000" dirty="0" smtClean="0"/>
+              <a:t> </a:t>
+            </a:r>
+            <a:r>
+              <a:rPr lang="en-IN" sz="8000" b="1" dirty="0"/>
+              <a:t>Data was taken for only year 1 and year 3. Scaling of data is done and then , data is normalized. </a:t>
+            </a:r>
+          </a:p>
+          <a:p>
+            <a:r>
+              <a:rPr lang="en-IN" sz="8000" dirty="0" smtClean="0"/>
+              <a:t> </a:t>
+            </a:r>
+            <a:r>
+              <a:rPr lang="en-US" altLang="ko-KR" sz="8000" b="1" dirty="0"/>
+              <a:t>The training and validation data was created using sampling and K- fold cross validation. The whole modelling exercise is done on python using </a:t>
+            </a:r>
+            <a:r>
+              <a:rPr lang="en-US" altLang="ko-KR" sz="8000" b="1" dirty="0" err="1"/>
+              <a:t>sklearn</a:t>
+            </a:r>
+            <a:r>
+              <a:rPr lang="en-US" altLang="ko-KR" sz="8000" b="1" dirty="0"/>
+              <a:t> </a:t>
+            </a:r>
+            <a:r>
+              <a:rPr lang="en-US" altLang="ko-KR" sz="8000" b="1" dirty="0" smtClean="0"/>
+              <a:t>package.</a:t>
+            </a:r>
+          </a:p>
+          <a:p>
+            <a:r>
+              <a:rPr lang="en-US" sz="8000" b="1" dirty="0"/>
+              <a:t> </a:t>
+            </a:r>
+            <a:r>
+              <a:rPr lang="en-US" altLang="ko-KR" sz="8000" b="1" dirty="0"/>
+              <a:t>Methods used for performing regression models are </a:t>
+            </a:r>
+          </a:p>
+          <a:p>
+            <a:pPr marL="45720" indent="0">
+              <a:buNone/>
+            </a:pPr>
+            <a:r>
+              <a:rPr lang="en-US" altLang="ko-KR" sz="8000" b="1" dirty="0"/>
+              <a:t> </a:t>
+            </a:r>
+            <a:r>
+              <a:rPr lang="en-US" altLang="ko-KR" sz="8000" b="1" dirty="0" smtClean="0"/>
+              <a:t>ANN, </a:t>
+            </a:r>
+            <a:r>
+              <a:rPr lang="en-US" altLang="ko-KR" sz="8000" b="1" dirty="0" err="1" smtClean="0"/>
+              <a:t>KNN,Random</a:t>
+            </a:r>
+            <a:r>
+              <a:rPr lang="en-US" altLang="ko-KR" sz="8000" b="1" dirty="0" smtClean="0"/>
+              <a:t> Forest, </a:t>
+            </a:r>
+            <a:r>
+              <a:rPr lang="en-US" altLang="ko-KR" sz="8000" b="1" dirty="0" err="1" smtClean="0"/>
+              <a:t>Adaboost</a:t>
+            </a:r>
+            <a:r>
+              <a:rPr lang="en-US" altLang="ko-KR" sz="8000" b="1" dirty="0" smtClean="0"/>
+              <a:t> Classifier, GBM </a:t>
+            </a:r>
+            <a:r>
+              <a:rPr lang="en-US" altLang="ko-KR" sz="8000" b="1" dirty="0" err="1" smtClean="0"/>
+              <a:t>classifier,Optimization</a:t>
+            </a:r>
+            <a:r>
+              <a:rPr lang="en-US" altLang="ko-KR" sz="8000" b="1" dirty="0" smtClean="0"/>
+              <a:t> </a:t>
+            </a:r>
+            <a:r>
+              <a:rPr lang="en-US" altLang="ko-KR" sz="8000" b="1" dirty="0"/>
+              <a:t>of </a:t>
+            </a:r>
+            <a:r>
+              <a:rPr lang="en-US" altLang="ko-KR" sz="8000" b="1" dirty="0" err="1"/>
+              <a:t>Hyperparameters</a:t>
+            </a:r>
+            <a:r>
+              <a:rPr lang="en-US" altLang="ko-KR" sz="8000" b="1" dirty="0"/>
+              <a:t> is also performed using Grid Search CV  method. </a:t>
+            </a:r>
+          </a:p>
+          <a:p>
+            <a:endParaRPr lang="en-IN" sz="8000" dirty="0"/>
+          </a:p>
+        </p:txBody>
+      </p:sp>
+    </p:spTree>
+    <p:extLst>
+      <p:ext uri="{BB962C8B-B14F-4D97-AF65-F5344CB8AC3E}">
+        <p14:creationId xmlns:p14="http://schemas.microsoft.com/office/powerpoint/2010/main" val="1348723299"/>
+      </p:ext>
+    </p:extLst>
+  </p:cSld>
+  <p:clrMapOvr>
+    <a:masterClrMapping/>
+  </p:clrMapOvr>
+</p:sld>
+</file>
+
+<file path=ppt/slides/slide9.xml><?xml version="1.0" encoding="utf-8"?>
+<p:sld xmlns:a="http://schemas.openxmlformats.org/drawingml/2006/main" xmlns:r="http://schemas.openxmlformats.org/officeDocument/2006/relationships" xmlns:p="http://schemas.openxmlformats.org/presentationml/2006/main">
+  <p:cSld>
+    <p:spTree>
+      <p:nvGrpSpPr>
+        <p:cNvPr id="1" name=""/>
+        <p:cNvGrpSpPr/>
+        <p:nvPr/>
+      </p:nvGrpSpPr>
+      <p:grpSpPr>
+        <a:xfrm>
+          <a:off x="0" y="0"/>
+          <a:ext cx="0" cy="0"/>
+          <a:chOff x="0" y="0"/>
+          <a:chExt cx="0" cy="0"/>
+        </a:xfrm>
+      </p:grpSpPr>
+      <p:sp>
+        <p:nvSpPr>
+          <p:cNvPr id="2" name="Title 1">
+            <a:extLst>
+              <a:ext uri="{FF2B5EF4-FFF2-40B4-BE49-F238E27FC236}">
+                <a16:creationId xmlns:a16="http://schemas.microsoft.com/office/drawing/2014/main" id="{6B41478B-451A-443F-8276-B2150DA1D028}"/>
+              </a:ext>
+            </a:extLst>
+          </p:cNvPr>
+          <p:cNvSpPr>
+            <a:spLocks noGrp="1"/>
+          </p:cNvSpPr>
+          <p:nvPr>
+            <p:ph type="title"/>
+          </p:nvPr>
+        </p:nvSpPr>
+        <p:spPr>
+          <a:xfrm>
+            <a:off x="539552" y="741984"/>
+            <a:ext cx="8229600" cy="650336"/>
+          </a:xfrm>
+        </p:spPr>
+        <p:txBody>
+          <a:bodyPr>
+            <a:normAutofit fontScale="90000"/>
+          </a:bodyPr>
+          <a:lstStyle/>
+          <a:p>
+            <a:r>
+              <a:rPr lang="en-IN" dirty="0"/>
+              <a:t>Models</a:t>
+            </a:r>
+          </a:p>
+        </p:txBody>
+      </p:sp>
+      <p:sp>
+        <p:nvSpPr>
+          <p:cNvPr id="3" name="Content Placeholder 2">
+            <a:extLst>
+              <a:ext uri="{FF2B5EF4-FFF2-40B4-BE49-F238E27FC236}">
+                <a16:creationId xmlns:a16="http://schemas.microsoft.com/office/drawing/2014/main" id="{3E6FA87D-5EAD-4209-BC72-9D0FD0B626F8}"/>
+              </a:ext>
+            </a:extLst>
+          </p:cNvPr>
+          <p:cNvSpPr>
+            <a:spLocks noGrp="1"/>
+          </p:cNvSpPr>
+          <p:nvPr>
+            <p:ph idx="1"/>
+          </p:nvPr>
+        </p:nvSpPr>
+        <p:spPr>
+          <a:xfrm>
+            <a:off x="424846" y="1546880"/>
+            <a:ext cx="8229600" cy="4389120"/>
+          </a:xfrm>
+        </p:spPr>
+        <p:txBody>
+          <a:bodyPr/>
+          <a:lstStyle/>
+          <a:p>
+            <a:r>
+              <a:rPr lang="en-IN" sz="2000" dirty="0"/>
+              <a:t> </a:t>
+            </a:r>
             <a:r>
               <a:rPr lang="en-IN" sz="2000" dirty="0" smtClean="0"/>
+              <a:t>ANN- Artificial Neural Network using </a:t>
+            </a:r>
+            <a:r>
+              <a:rPr lang="en-IN" sz="2000" dirty="0" err="1" smtClean="0"/>
+              <a:t>Keras</a:t>
+            </a:r>
+            <a:r>
+              <a:rPr lang="en-IN" sz="2000" dirty="0" smtClean="0"/>
+              <a:t>.</a:t>
+            </a:r>
+            <a:endParaRPr lang="en-IN" sz="2000" dirty="0"/>
+          </a:p>
+          <a:p>
+            <a:r>
+              <a:rPr lang="en-IN" sz="2000" dirty="0"/>
+              <a:t>GBM – Gradient Boosting </a:t>
+            </a:r>
+            <a:r>
+              <a:rPr lang="en-IN" sz="2000" dirty="0" smtClean="0"/>
+              <a:t>Classifier </a:t>
+            </a:r>
+            <a:r>
+              <a:rPr lang="en-IN" sz="2000" dirty="0"/>
+              <a:t>model</a:t>
+            </a:r>
+          </a:p>
+          <a:p>
+            <a:r>
+              <a:rPr lang="en-IN" sz="2000" dirty="0"/>
+              <a:t>KNN </a:t>
+            </a:r>
+            <a:r>
+              <a:rPr lang="en-IN" sz="2000" dirty="0" smtClean="0"/>
+              <a:t>Classifier model</a:t>
+            </a:r>
+          </a:p>
+          <a:p>
+            <a:r>
+              <a:rPr lang="en-IN" sz="2000" dirty="0"/>
               <a:t> </a:t>
             </a:r>
+            <a:r>
+              <a:rPr lang="en-IN" sz="2000" dirty="0" smtClean="0"/>
+              <a:t>Bagging Classifier</a:t>
+            </a:r>
+          </a:p>
+          <a:p>
+            <a:r>
+              <a:rPr lang="en-IN" sz="2000" dirty="0"/>
+              <a:t> </a:t>
+            </a:r>
+            <a:r>
+              <a:rPr lang="en-IN" sz="2000" dirty="0" smtClean="0"/>
+              <a:t>SVM classifier</a:t>
+            </a:r>
+          </a:p>
+          <a:p>
+            <a:r>
+              <a:rPr lang="en-IN" sz="2000" dirty="0"/>
+              <a:t> </a:t>
+            </a:r>
+            <a:r>
+              <a:rPr lang="en-IN" sz="2000" dirty="0" smtClean="0"/>
+              <a:t>Decision trees</a:t>
+            </a:r>
             <a:endParaRPr lang="en-IN" sz="2000" dirty="0"/>
           </a:p>
           <a:p>
-            <a:endParaRPr lang="en-IN" sz="2000" dirty="0"/>
+            <a:r>
+              <a:rPr lang="en-IN" sz="2000" dirty="0"/>
+              <a:t>Random Forest model</a:t>
+            </a:r>
+          </a:p>
+          <a:p>
+            <a:r>
+              <a:rPr lang="en-IN" sz="2000" dirty="0"/>
+              <a:t>Hyperparameter tuning using Grid Search CV method</a:t>
+            </a:r>
+          </a:p>
+          <a:p>
+            <a:r>
+              <a:rPr lang="en-IN" sz="2000" dirty="0" smtClean="0"/>
+              <a:t>K </a:t>
+            </a:r>
+            <a:r>
+              <a:rPr lang="en-IN" sz="2000" dirty="0"/>
+              <a:t>fold Cross validation model.</a:t>
+            </a:r>
+          </a:p>
+          <a:p>
+            <a:endParaRPr lang="en-IN" dirty="0"/>
           </a:p>
         </p:txBody>
       </p:sp>
@@ -11632,7 +12849,7 @@
           <p:cNvPr id="4" name="Picture 3" descr="Image result for isb business analytics">
             <a:extLst>
               <a:ext uri="{FF2B5EF4-FFF2-40B4-BE49-F238E27FC236}">
-                <a16:creationId xmlns:a16="http://schemas.microsoft.com/office/drawing/2014/main" id="{ABBDD3F6-793E-44BB-9819-A6D577D8D89B}"/>
+                <a16:creationId xmlns:a16="http://schemas.microsoft.com/office/drawing/2014/main" id="{A60F9A51-1288-4852-8399-09FB5472125C}"/>
               </a:ext>
             </a:extLst>
           </p:cNvPr>
@@ -11677,645 +12894,7 @@
     </p:spTree>
     <p:extLst>
       <p:ext uri="{BB962C8B-B14F-4D97-AF65-F5344CB8AC3E}">
-        <p14:creationId xmlns:p14="http://schemas.microsoft.com/office/powerpoint/2010/main" val="116956861"/>
-      </p:ext>
-    </p:extLst>
-  </p:cSld>
-  <p:clrMapOvr>
-    <a:masterClrMapping/>
-  </p:clrMapOvr>
-</p:sld>
-</file>
-
-<file path=ppt/slides/slide9.xml><?xml version="1.0" encoding="utf-8"?>
-<p:sld xmlns:a="http://schemas.openxmlformats.org/drawingml/2006/main" xmlns:r="http://schemas.openxmlformats.org/officeDocument/2006/relationships" xmlns:p="http://schemas.openxmlformats.org/presentationml/2006/main">
-  <p:cSld>
-    <p:spTree>
-      <p:nvGrpSpPr>
-        <p:cNvPr id="1" name=""/>
-        <p:cNvGrpSpPr/>
-        <p:nvPr/>
-      </p:nvGrpSpPr>
-      <p:grpSpPr>
-        <a:xfrm>
-          <a:off x="0" y="0"/>
-          <a:ext cx="0" cy="0"/>
-          <a:chOff x="0" y="0"/>
-          <a:chExt cx="0" cy="0"/>
-        </a:xfrm>
-      </p:grpSpPr>
-      <p:sp>
-        <p:nvSpPr>
-          <p:cNvPr id="2" name="Title 1"/>
-          <p:cNvSpPr>
-            <a:spLocks noGrp="1"/>
-          </p:cNvSpPr>
-          <p:nvPr>
-            <p:ph type="title"/>
-          </p:nvPr>
-        </p:nvSpPr>
-        <p:spPr>
-          <a:xfrm>
-            <a:off x="459512" y="620688"/>
-            <a:ext cx="8229600" cy="710952"/>
-          </a:xfrm>
-        </p:spPr>
-        <p:txBody>
-          <a:bodyPr>
-            <a:normAutofit fontScale="90000"/>
-          </a:bodyPr>
-          <a:lstStyle/>
-          <a:p>
-            <a:r>
-              <a:rPr lang="en-IN" sz="5400" dirty="0"/>
-              <a:t/>
-            </a:r>
-            <a:br>
-              <a:rPr lang="en-IN" sz="5400" dirty="0"/>
-            </a:br>
-            <a:r>
-              <a:rPr lang="en-IN" sz="5400" dirty="0"/>
-              <a:t/>
-            </a:r>
-            <a:br>
-              <a:rPr lang="en-IN" sz="5400" dirty="0"/>
-            </a:br>
-            <a:r>
-              <a:rPr lang="en-IN" sz="5400" dirty="0"/>
-              <a:t/>
-            </a:r>
-            <a:br>
-              <a:rPr lang="en-IN" sz="5400" dirty="0"/>
-            </a:br>
-            <a:r>
-              <a:rPr lang="en-IN" sz="5400" dirty="0"/>
-              <a:t/>
-            </a:r>
-            <a:br>
-              <a:rPr lang="en-IN" sz="5400" dirty="0"/>
-            </a:br>
-            <a:r>
-              <a:rPr lang="en-IN" sz="5400" dirty="0"/>
-              <a:t/>
-            </a:r>
-            <a:br>
-              <a:rPr lang="en-IN" sz="5400" dirty="0"/>
-            </a:br>
-            <a:r>
-              <a:rPr lang="en-IN" sz="5400" dirty="0"/>
-              <a:t/>
-            </a:r>
-            <a:br>
-              <a:rPr lang="en-IN" sz="5400" dirty="0"/>
-            </a:br>
-            <a:r>
-              <a:rPr lang="en-IN" sz="5400" dirty="0"/>
-              <a:t/>
-            </a:r>
-            <a:br>
-              <a:rPr lang="en-IN" sz="5400" dirty="0"/>
-            </a:br>
-            <a:r>
-              <a:rPr lang="en-IN" sz="5400" dirty="0"/>
-              <a:t/>
-            </a:r>
-            <a:br>
-              <a:rPr lang="en-IN" sz="5400" dirty="0"/>
-            </a:br>
-            <a:r>
-              <a:rPr lang="en-IN" sz="5400" dirty="0"/>
-              <a:t/>
-            </a:r>
-            <a:br>
-              <a:rPr lang="en-IN" sz="5400" dirty="0"/>
-            </a:br>
-            <a:r>
-              <a:rPr lang="en-IN" sz="5400" dirty="0"/>
-              <a:t/>
-            </a:r>
-            <a:br>
-              <a:rPr lang="en-IN" sz="5400" dirty="0"/>
-            </a:br>
-            <a:r>
-              <a:rPr lang="en-IN" sz="5400" dirty="0"/>
-              <a:t/>
-            </a:r>
-            <a:br>
-              <a:rPr lang="en-IN" sz="5400" dirty="0"/>
-            </a:br>
-            <a:r>
-              <a:rPr lang="en-IN" sz="5400" dirty="0"/>
-              <a:t/>
-            </a:r>
-            <a:br>
-              <a:rPr lang="en-IN" sz="5400" dirty="0"/>
-            </a:br>
-            <a:r>
-              <a:rPr lang="en-IN" sz="5400" dirty="0"/>
-              <a:t/>
-            </a:r>
-            <a:br>
-              <a:rPr lang="en-IN" sz="5400" dirty="0"/>
-            </a:br>
-            <a:r>
-              <a:rPr lang="en-IN" sz="5400" dirty="0"/>
-              <a:t/>
-            </a:r>
-            <a:br>
-              <a:rPr lang="en-IN" sz="5400" dirty="0"/>
-            </a:br>
-            <a:r>
-              <a:rPr lang="en-IN" sz="5400" dirty="0"/>
-              <a:t/>
-            </a:r>
-            <a:br>
-              <a:rPr lang="en-IN" sz="5400" dirty="0"/>
-            </a:br>
-            <a:r>
-              <a:rPr lang="en-IN" sz="5400" dirty="0"/>
-              <a:t/>
-            </a:r>
-            <a:br>
-              <a:rPr lang="en-IN" sz="5400" dirty="0"/>
-            </a:br>
-            <a:r>
-              <a:rPr lang="en-IN" sz="5400" dirty="0"/>
-              <a:t/>
-            </a:r>
-            <a:br>
-              <a:rPr lang="en-IN" sz="5400" dirty="0"/>
-            </a:br>
-            <a:r>
-              <a:rPr lang="en-IN" sz="5400" dirty="0"/>
-              <a:t/>
-            </a:r>
-            <a:br>
-              <a:rPr lang="en-IN" sz="5400" dirty="0"/>
-            </a:br>
-            <a:r>
-              <a:rPr lang="en-IN" sz="5400" dirty="0"/>
-              <a:t/>
-            </a:r>
-            <a:br>
-              <a:rPr lang="en-IN" sz="5400" dirty="0"/>
-            </a:br>
-            <a:r>
-              <a:rPr lang="en-IN" sz="5400" dirty="0"/>
-              <a:t/>
-            </a:r>
-            <a:br>
-              <a:rPr lang="en-IN" sz="5400" dirty="0"/>
-            </a:br>
-            <a:r>
-              <a:rPr lang="en-IN" sz="5400" dirty="0"/>
-              <a:t/>
-            </a:r>
-            <a:br>
-              <a:rPr lang="en-IN" sz="5400" dirty="0"/>
-            </a:br>
-            <a:r>
-              <a:rPr lang="en-IN" sz="5400" dirty="0"/>
-              <a:t/>
-            </a:r>
-            <a:br>
-              <a:rPr lang="en-IN" sz="5400" dirty="0"/>
-            </a:br>
-            <a:r>
-              <a:rPr lang="en-IN" sz="5400" dirty="0"/>
-              <a:t/>
-            </a:r>
-            <a:br>
-              <a:rPr lang="en-IN" sz="5400" dirty="0"/>
-            </a:br>
-            <a:r>
-              <a:rPr lang="en-IN" sz="5400" dirty="0"/>
-              <a:t/>
-            </a:r>
-            <a:br>
-              <a:rPr lang="en-IN" sz="5400" dirty="0"/>
-            </a:br>
-            <a:r>
-              <a:rPr lang="en-IN" sz="5400" dirty="0"/>
-              <a:t/>
-            </a:r>
-            <a:br>
-              <a:rPr lang="en-IN" sz="5400" dirty="0"/>
-            </a:br>
-            <a:r>
-              <a:rPr lang="en-IN" sz="5400" dirty="0"/>
-              <a:t/>
-            </a:r>
-            <a:br>
-              <a:rPr lang="en-IN" sz="5400" dirty="0"/>
-            </a:br>
-            <a:r>
-              <a:rPr lang="en-IN" sz="5400" dirty="0"/>
-              <a:t/>
-            </a:r>
-            <a:br>
-              <a:rPr lang="en-IN" sz="5400" dirty="0"/>
-            </a:br>
-            <a:r>
-              <a:rPr lang="en-IN" sz="5400" dirty="0"/>
-              <a:t/>
-            </a:r>
-            <a:br>
-              <a:rPr lang="en-IN" sz="5400" dirty="0"/>
-            </a:br>
-            <a:r>
-              <a:rPr lang="en-IN" sz="5400" dirty="0"/>
-              <a:t/>
-            </a:r>
-            <a:br>
-              <a:rPr lang="en-IN" sz="5400" dirty="0"/>
-            </a:br>
-            <a:r>
-              <a:rPr lang="en-IN" sz="5400" dirty="0"/>
-              <a:t/>
-            </a:r>
-            <a:br>
-              <a:rPr lang="en-IN" sz="5400" dirty="0"/>
-            </a:br>
-            <a:r>
-              <a:rPr lang="en-IN" sz="5400" dirty="0"/>
-              <a:t/>
-            </a:r>
-            <a:br>
-              <a:rPr lang="en-IN" sz="5400" dirty="0"/>
-            </a:br>
-            <a:r>
-              <a:rPr lang="en-IN" sz="5400" dirty="0"/>
-              <a:t/>
-            </a:r>
-            <a:br>
-              <a:rPr lang="en-IN" sz="5400" dirty="0"/>
-            </a:br>
-            <a:r>
-              <a:rPr lang="en-IN" sz="5400" dirty="0"/>
-              <a:t/>
-            </a:r>
-            <a:br>
-              <a:rPr lang="en-IN" sz="5400" dirty="0"/>
-            </a:br>
-            <a:r>
-              <a:rPr lang="en-IN" sz="5400" dirty="0"/>
-              <a:t/>
-            </a:r>
-            <a:br>
-              <a:rPr lang="en-IN" sz="5400" dirty="0"/>
-            </a:br>
-            <a:r>
-              <a:rPr lang="en-IN" sz="5400" dirty="0"/>
-              <a:t/>
-            </a:r>
-            <a:br>
-              <a:rPr lang="en-IN" sz="5400" dirty="0"/>
-            </a:br>
-            <a:r>
-              <a:rPr lang="en-IN" sz="5400" dirty="0"/>
-              <a:t/>
-            </a:r>
-            <a:br>
-              <a:rPr lang="en-IN" sz="5400" dirty="0"/>
-            </a:br>
-            <a:r>
-              <a:rPr lang="en-IN" sz="5400" dirty="0"/>
-              <a:t/>
-            </a:r>
-            <a:br>
-              <a:rPr lang="en-IN" sz="5400" dirty="0"/>
-            </a:br>
-            <a:r>
-              <a:rPr lang="en-IN" sz="5400" dirty="0"/>
-              <a:t/>
-            </a:r>
-            <a:br>
-              <a:rPr lang="en-IN" sz="5400" dirty="0"/>
-            </a:br>
-            <a:r>
-              <a:rPr lang="en-IN" sz="5400" dirty="0"/>
-              <a:t/>
-            </a:r>
-            <a:br>
-              <a:rPr lang="en-IN" sz="5400" dirty="0"/>
-            </a:br>
-            <a:r>
-              <a:rPr lang="en-IN" sz="5400" dirty="0"/>
-              <a:t/>
-            </a:r>
-            <a:br>
-              <a:rPr lang="en-IN" sz="5400" dirty="0"/>
-            </a:br>
-            <a:r>
-              <a:rPr lang="en-IN" sz="5400" dirty="0"/>
-              <a:t/>
-            </a:r>
-            <a:br>
-              <a:rPr lang="en-IN" sz="5400" dirty="0"/>
-            </a:br>
-            <a:r>
-              <a:rPr lang="en-IN" sz="5400" dirty="0"/>
-              <a:t/>
-            </a:r>
-            <a:br>
-              <a:rPr lang="en-IN" sz="5400" dirty="0"/>
-            </a:br>
-            <a:r>
-              <a:rPr lang="en-IN" sz="5400" dirty="0"/>
-              <a:t/>
-            </a:r>
-            <a:br>
-              <a:rPr lang="en-IN" sz="5400" dirty="0"/>
-            </a:br>
-            <a:r>
-              <a:rPr lang="en-IN" sz="5400" dirty="0"/>
-              <a:t/>
-            </a:r>
-            <a:br>
-              <a:rPr lang="en-IN" sz="5400" dirty="0"/>
-            </a:br>
-            <a:r>
-              <a:rPr lang="en-IN" sz="5400" dirty="0"/>
-              <a:t/>
-            </a:r>
-            <a:br>
-              <a:rPr lang="en-IN" sz="5400" dirty="0"/>
-            </a:br>
-            <a:r>
-              <a:rPr lang="en-IN" sz="5400" dirty="0"/>
-              <a:t/>
-            </a:r>
-            <a:br>
-              <a:rPr lang="en-IN" sz="5400" dirty="0"/>
-            </a:br>
-            <a:r>
-              <a:rPr lang="en-IN" sz="5400" dirty="0"/>
-              <a:t/>
-            </a:r>
-            <a:br>
-              <a:rPr lang="en-IN" sz="5400" dirty="0"/>
-            </a:br>
-            <a:r>
-              <a:rPr lang="en-IN" sz="5400" dirty="0"/>
-              <a:t/>
-            </a:r>
-            <a:br>
-              <a:rPr lang="en-IN" sz="5400" dirty="0"/>
-            </a:br>
-            <a:r>
-              <a:rPr lang="en-IN" sz="5400" dirty="0"/>
-              <a:t/>
-            </a:r>
-            <a:br>
-              <a:rPr lang="en-IN" sz="5400" dirty="0"/>
-            </a:br>
-            <a:r>
-              <a:rPr lang="en-IN" sz="5400" dirty="0"/>
-              <a:t/>
-            </a:r>
-            <a:br>
-              <a:rPr lang="en-IN" sz="5400" dirty="0"/>
-            </a:br>
-            <a:r>
-              <a:rPr lang="en-IN" sz="5400" dirty="0"/>
-              <a:t/>
-            </a:r>
-            <a:br>
-              <a:rPr lang="en-IN" sz="5400" dirty="0"/>
-            </a:br>
-            <a:r>
-              <a:rPr lang="en-IN" sz="5400" dirty="0"/>
-              <a:t/>
-            </a:r>
-            <a:br>
-              <a:rPr lang="en-IN" sz="5400" dirty="0"/>
-            </a:br>
-            <a:r>
-              <a:rPr lang="en-IN" sz="5400" dirty="0"/>
-              <a:t/>
-            </a:r>
-            <a:br>
-              <a:rPr lang="en-IN" sz="5400" dirty="0"/>
-            </a:br>
-            <a:r>
-              <a:rPr lang="en-IN" sz="5400" dirty="0"/>
-              <a:t/>
-            </a:r>
-            <a:br>
-              <a:rPr lang="en-IN" sz="5400" dirty="0"/>
-            </a:br>
-            <a:r>
-              <a:rPr lang="en-IN" sz="5400" dirty="0"/>
-              <a:t/>
-            </a:r>
-            <a:br>
-              <a:rPr lang="en-IN" sz="5400" dirty="0"/>
-            </a:br>
-            <a:r>
-              <a:rPr lang="en-IN" sz="5400" dirty="0"/>
-              <a:t/>
-            </a:r>
-            <a:br>
-              <a:rPr lang="en-IN" sz="5400" dirty="0"/>
-            </a:br>
-            <a:r>
-              <a:rPr lang="en-IN" sz="5400" dirty="0"/>
-              <a:t/>
-            </a:r>
-            <a:br>
-              <a:rPr lang="en-IN" sz="5400" dirty="0"/>
-            </a:br>
-            <a:r>
-              <a:rPr lang="en-IN" sz="5400" dirty="0"/>
-              <a:t/>
-            </a:r>
-            <a:br>
-              <a:rPr lang="en-IN" sz="5400" dirty="0"/>
-            </a:br>
-            <a:r>
-              <a:rPr lang="en-IN" sz="5400" dirty="0"/>
-              <a:t/>
-            </a:r>
-            <a:br>
-              <a:rPr lang="en-IN" sz="5400" dirty="0"/>
-            </a:br>
-            <a:r>
-              <a:rPr lang="en-IN" sz="5400" dirty="0"/>
-              <a:t/>
-            </a:r>
-            <a:br>
-              <a:rPr lang="en-IN" sz="5400" dirty="0"/>
-            </a:br>
-            <a:r>
-              <a:rPr lang="en-IN" sz="5400" dirty="0"/>
-              <a:t/>
-            </a:r>
-            <a:br>
-              <a:rPr lang="en-IN" sz="5400" dirty="0"/>
-            </a:br>
-            <a:r>
-              <a:rPr lang="en-IN" sz="4800" dirty="0"/>
-              <a:t>Analytic Approach</a:t>
-            </a:r>
-            <a:endParaRPr lang="en-IN" dirty="0"/>
-          </a:p>
-        </p:txBody>
-      </p:sp>
-      <p:sp>
-        <p:nvSpPr>
-          <p:cNvPr id="3" name="Content Placeholder 2"/>
-          <p:cNvSpPr>
-            <a:spLocks noGrp="1"/>
-          </p:cNvSpPr>
-          <p:nvPr>
-            <p:ph idx="1"/>
-          </p:nvPr>
-        </p:nvSpPr>
-        <p:spPr>
-          <a:xfrm>
-            <a:off x="459512" y="1556792"/>
-            <a:ext cx="8229600" cy="4389120"/>
-          </a:xfrm>
-        </p:spPr>
-        <p:txBody>
-          <a:bodyPr>
-            <a:normAutofit fontScale="25000" lnSpcReduction="20000"/>
-          </a:bodyPr>
-          <a:lstStyle/>
-          <a:p>
-            <a:pPr marL="0" indent="0">
-              <a:buNone/>
-            </a:pPr>
-            <a:endParaRPr lang="en-IN" sz="3200" dirty="0"/>
-          </a:p>
-          <a:p>
-            <a:r>
-              <a:rPr lang="en-IN" sz="8000" dirty="0"/>
-              <a:t> </a:t>
-            </a:r>
-            <a:r>
-              <a:rPr lang="en-IN" sz="8000" b="1" dirty="0"/>
-              <a:t>The  data was cleaned and missing data is imputed. The data was imbalanced. So, minority samples were balanced using SMOTE and ADASYN techniques.</a:t>
-            </a:r>
-          </a:p>
-          <a:p>
-            <a:r>
-              <a:rPr lang="en-IN" sz="8000" dirty="0" smtClean="0"/>
-              <a:t> </a:t>
-            </a:r>
-            <a:r>
-              <a:rPr lang="en-IN" sz="8000" b="1" dirty="0"/>
-              <a:t>The Dataset was analysed using correlation </a:t>
-            </a:r>
-            <a:r>
-              <a:rPr lang="en-IN" sz="8000" b="1" dirty="0" err="1"/>
-              <a:t>heatmaps</a:t>
-            </a:r>
-            <a:r>
-              <a:rPr lang="en-IN" sz="8000" b="1" dirty="0"/>
-              <a:t>. And, the correlated features are removed form data.  Business context was used to define the features. </a:t>
-            </a:r>
-          </a:p>
-          <a:p>
-            <a:r>
-              <a:rPr lang="en-IN" sz="8000" dirty="0" smtClean="0"/>
-              <a:t> </a:t>
-            </a:r>
-            <a:r>
-              <a:rPr lang="en-IN" sz="8000" b="1" dirty="0"/>
-              <a:t>Data was taken for only year 1 and year 3. Scaling of data is done and then , data is normalized. </a:t>
-            </a:r>
-          </a:p>
-          <a:p>
-            <a:r>
-              <a:rPr lang="en-IN" sz="8000" dirty="0" smtClean="0"/>
-              <a:t> </a:t>
-            </a:r>
-            <a:r>
-              <a:rPr lang="en-US" altLang="ko-KR" sz="8000" b="1" dirty="0"/>
-              <a:t>The training and validation data was created using sampling and K- fold cross validation. The whole modelling exercise is done on python using </a:t>
-            </a:r>
-            <a:r>
-              <a:rPr lang="en-US" altLang="ko-KR" sz="8000" b="1" dirty="0" err="1"/>
-              <a:t>sklearn</a:t>
-            </a:r>
-            <a:r>
-              <a:rPr lang="en-US" altLang="ko-KR" sz="8000" b="1" dirty="0"/>
-              <a:t> </a:t>
-            </a:r>
-            <a:r>
-              <a:rPr lang="en-US" altLang="ko-KR" sz="8000" b="1" dirty="0" smtClean="0"/>
-              <a:t>package.</a:t>
-            </a:r>
-          </a:p>
-          <a:p>
-            <a:r>
-              <a:rPr lang="en-US" sz="8000" b="1" dirty="0"/>
-              <a:t> </a:t>
-            </a:r>
-            <a:r>
-              <a:rPr lang="en-US" altLang="ko-KR" sz="8000" b="1" dirty="0"/>
-              <a:t>Methods used for performing regression models are </a:t>
-            </a:r>
-          </a:p>
-          <a:p>
-            <a:pPr marL="45720" indent="0">
-              <a:buNone/>
-            </a:pPr>
-            <a:r>
-              <a:rPr lang="en-US" altLang="ko-KR" sz="8000" b="1" dirty="0"/>
-              <a:t> </a:t>
-            </a:r>
-            <a:r>
-              <a:rPr lang="en-US" altLang="ko-KR" sz="8000" b="1" dirty="0" smtClean="0"/>
-              <a:t>ANN, </a:t>
-            </a:r>
-            <a:r>
-              <a:rPr lang="en-US" altLang="ko-KR" sz="8000" b="1" dirty="0" err="1" smtClean="0"/>
-              <a:t>KNN,Random</a:t>
-            </a:r>
-            <a:r>
-              <a:rPr lang="en-US" altLang="ko-KR" sz="8000" b="1" dirty="0" smtClean="0"/>
-              <a:t> Forest, </a:t>
-            </a:r>
-            <a:r>
-              <a:rPr lang="en-US" altLang="ko-KR" sz="8000" b="1" dirty="0" err="1" smtClean="0"/>
-              <a:t>Adaboost</a:t>
-            </a:r>
-            <a:r>
-              <a:rPr lang="en-US" altLang="ko-KR" sz="8000" b="1" dirty="0" smtClean="0"/>
-              <a:t> Classifier, GBM </a:t>
-            </a:r>
-            <a:r>
-              <a:rPr lang="en-US" altLang="ko-KR" sz="8000" b="1" dirty="0" err="1" smtClean="0"/>
-              <a:t>classifier,Optimization</a:t>
-            </a:r>
-            <a:r>
-              <a:rPr lang="en-US" altLang="ko-KR" sz="8000" b="1" dirty="0" smtClean="0"/>
-              <a:t> </a:t>
-            </a:r>
-            <a:r>
-              <a:rPr lang="en-US" altLang="ko-KR" sz="8000" b="1" dirty="0"/>
-              <a:t>of </a:t>
-            </a:r>
-            <a:r>
-              <a:rPr lang="en-US" altLang="ko-KR" sz="8000" b="1" dirty="0" err="1"/>
-              <a:t>Hyperparameters</a:t>
-            </a:r>
-            <a:r>
-              <a:rPr lang="en-US" altLang="ko-KR" sz="8000" b="1" dirty="0"/>
-              <a:t> is also performed using Grid Search CV  method. </a:t>
-            </a:r>
-          </a:p>
-          <a:p>
-            <a:endParaRPr lang="en-IN" sz="8000" dirty="0"/>
-          </a:p>
-        </p:txBody>
-      </p:sp>
-    </p:spTree>
-    <p:extLst>
-      <p:ext uri="{BB962C8B-B14F-4D97-AF65-F5344CB8AC3E}">
-        <p14:creationId xmlns:p14="http://schemas.microsoft.com/office/powerpoint/2010/main" val="1348723299"/>
+        <p14:creationId xmlns:p14="http://schemas.microsoft.com/office/powerpoint/2010/main" val="4019962876"/>
       </p:ext>
     </p:extLst>
   </p:cSld>
